--- a/doc/Efficient Visual-Inertial Navigation.pptx
+++ b/doc/Efficient Visual-Inertial Navigation.pptx
@@ -14,7 +14,8 @@
     <p:sldId id="262" r:id="rId8"/>
     <p:sldId id="263" r:id="rId9"/>
     <p:sldId id="265" r:id="rId10"/>
-    <p:sldId id="264" r:id="rId11"/>
+    <p:sldId id="266" r:id="rId11"/>
+    <p:sldId id="264" r:id="rId12"/>
   </p:sldIdLst>
   <p:sldSz cx="12192000" cy="6858000"/>
   <p:notesSz cx="6858000" cy="9144000"/>
@@ -115,7 +116,7 @@
   </p:defaultTextStyle>
   <p:extLst>
     <p:ext uri="{EFAFB233-063F-42B5-8137-9DF3F51BA10A}">
-      <p15:sldGuideLst xmlns:p15="http://schemas.microsoft.com/office/powerpoint/2012/main">
+      <p15:sldGuideLst xmlns:p15="http://schemas.microsoft.com/office/powerpoint/2012/main" xmlns="">
         <p15:guide id="1" orient="horz" pos="2160">
           <p15:clr>
             <a:srgbClr val="A4A3A4"/>
@@ -3077,6 +3078,181 @@
       </p:grpSpPr>
       <p:sp>
         <p:nvSpPr>
+          <p:cNvPr id="2" name="Title 1"/>
+          <p:cNvSpPr>
+            <a:spLocks noGrp="1"/>
+          </p:cNvSpPr>
+          <p:nvPr>
+            <p:ph type="title"/>
+          </p:nvPr>
+        </p:nvSpPr>
+        <p:spPr/>
+        <p:txBody>
+          <a:bodyPr/>
+          <a:lstStyle/>
+          <a:p>
+            <a:r>
+              <a:rPr lang="en-US" dirty="0" smtClean="0"/>
+              <a:t>Smoothing versus Incremental changes</a:t>
+            </a:r>
+            <a:endParaRPr lang="en-AU" dirty="0"/>
+          </a:p>
+        </p:txBody>
+      </p:sp>
+      <p:sp>
+        <p:nvSpPr>
+          <p:cNvPr id="3" name="Text Placeholder 2"/>
+          <p:cNvSpPr>
+            <a:spLocks noGrp="1"/>
+          </p:cNvSpPr>
+          <p:nvPr>
+            <p:ph type="body" idx="1"/>
+          </p:nvPr>
+        </p:nvSpPr>
+        <p:spPr>
+          <a:xfrm>
+            <a:off x="149506" y="1528762"/>
+            <a:ext cx="4754188" cy="407613"/>
+          </a:xfrm>
+        </p:spPr>
+        <p:txBody>
+          <a:bodyPr>
+            <a:normAutofit fontScale="77500" lnSpcReduction="20000"/>
+          </a:bodyPr>
+          <a:lstStyle/>
+          <a:p>
+            <a:r>
+              <a:rPr lang="en-US" dirty="0"/>
+              <a:t>Poor initial values </a:t>
+            </a:r>
+            <a:r>
+              <a:rPr lang="en-US" dirty="0" smtClean="0"/>
+              <a:t>lead to errors in smoothing</a:t>
+            </a:r>
+            <a:endParaRPr lang="en-AU" dirty="0"/>
+          </a:p>
+        </p:txBody>
+      </p:sp>
+      <p:pic>
+        <p:nvPicPr>
+          <p:cNvPr id="7" name="Content Placeholder 6"/>
+          <p:cNvPicPr>
+            <a:picLocks noGrp="1" noChangeAspect="1"/>
+          </p:cNvPicPr>
+          <p:nvPr>
+            <p:ph sz="half" idx="2"/>
+          </p:nvPr>
+        </p:nvPicPr>
+        <p:blipFill>
+          <a:blip r:embed="rId2">
+            <a:extLst>
+              <a:ext uri="{28A0092B-C50C-407E-A947-70E740481C1C}">
+                <a14:useLocalDpi xmlns:a14="http://schemas.microsoft.com/office/drawing/2010/main" val="0"/>
+              </a:ext>
+            </a:extLst>
+          </a:blip>
+          <a:stretch>
+            <a:fillRect/>
+          </a:stretch>
+        </p:blipFill>
+        <p:spPr>
+          <a:xfrm>
+            <a:off x="0" y="2227169"/>
+            <a:ext cx="5277971" cy="3958478"/>
+          </a:xfrm>
+        </p:spPr>
+      </p:pic>
+      <p:sp>
+        <p:nvSpPr>
+          <p:cNvPr id="5" name="Text Placeholder 4"/>
+          <p:cNvSpPr>
+            <a:spLocks noGrp="1"/>
+          </p:cNvSpPr>
+          <p:nvPr>
+            <p:ph type="body" sz="quarter" idx="3"/>
+          </p:nvPr>
+        </p:nvSpPr>
+        <p:spPr>
+          <a:xfrm>
+            <a:off x="6396317" y="1600481"/>
+            <a:ext cx="4361329" cy="362790"/>
+          </a:xfrm>
+        </p:spPr>
+        <p:txBody>
+          <a:bodyPr>
+            <a:noAutofit/>
+          </a:bodyPr>
+          <a:lstStyle/>
+          <a:p>
+            <a:r>
+              <a:rPr lang="en-US" sz="1900" dirty="0" smtClean="0"/>
+              <a:t>Solution: Incrementally add new frame</a:t>
+            </a:r>
+            <a:endParaRPr lang="en-AU" sz="1900" dirty="0"/>
+          </a:p>
+        </p:txBody>
+      </p:sp>
+      <p:pic>
+        <p:nvPicPr>
+          <p:cNvPr id="8" name="Content Placeholder 7"/>
+          <p:cNvPicPr>
+            <a:picLocks noGrp="1" noChangeAspect="1"/>
+          </p:cNvPicPr>
+          <p:nvPr>
+            <p:ph sz="quarter" idx="4"/>
+          </p:nvPr>
+        </p:nvPicPr>
+        <p:blipFill>
+          <a:blip r:embed="rId3" cstate="print">
+            <a:extLst>
+              <a:ext uri="{28A0092B-C50C-407E-A947-70E740481C1C}">
+                <a14:useLocalDpi xmlns:a14="http://schemas.microsoft.com/office/drawing/2010/main" val="0"/>
+              </a:ext>
+            </a:extLst>
+          </a:blip>
+          <a:stretch>
+            <a:fillRect/>
+          </a:stretch>
+        </p:blipFill>
+        <p:spPr>
+          <a:xfrm>
+            <a:off x="5663571" y="1979533"/>
+            <a:ext cx="6528429" cy="4250938"/>
+          </a:xfrm>
+        </p:spPr>
+      </p:pic>
+    </p:spTree>
+    <p:extLst>
+      <p:ext uri="{BB962C8B-B14F-4D97-AF65-F5344CB8AC3E}">
+        <p14:creationId xmlns:p14="http://schemas.microsoft.com/office/powerpoint/2010/main" val="3439893713"/>
+      </p:ext>
+    </p:extLst>
+  </p:cSld>
+  <p:clrMapOvr>
+    <a:masterClrMapping/>
+  </p:clrMapOvr>
+</p:sld>
+</file>
+
+<file path=ppt/slides/slide11.xml><?xml version="1.0" encoding="utf-8"?>
+<p:sld xmlns:a="http://schemas.openxmlformats.org/drawingml/2006/main" xmlns:r="http://schemas.openxmlformats.org/officeDocument/2006/relationships" xmlns:p="http://schemas.openxmlformats.org/presentationml/2006/main">
+  <p:cSld>
+    <p:spTree>
+      <p:nvGrpSpPr>
+        <p:cNvPr id="1" name=""/>
+        <p:cNvGrpSpPr/>
+        <p:nvPr/>
+      </p:nvGrpSpPr>
+      <p:grpSpPr>
+        <a:xfrm>
+          <a:off x="0" y="0"/>
+          <a:ext cx="0" cy="0"/>
+          <a:chOff x="0" y="0"/>
+          <a:chExt cx="0" cy="0"/>
+        </a:xfrm>
+      </p:grpSpPr>
+      <p:sp>
+        <p:nvSpPr>
           <p:cNvPr id="5" name="Title 4"/>
           <p:cNvSpPr>
             <a:spLocks noGrp="1"/>
@@ -4353,8 +4529,8 @@
           </a:p>
         </p:txBody>
       </p:sp>
-      <mc:AlternateContent xmlns:mc="http://schemas.openxmlformats.org/markup-compatibility/2006">
-        <mc:Choice xmlns:a14="http://schemas.microsoft.com/office/drawing/2010/main" Requires="a14">
+      <mc:AlternateContent xmlns:mc="http://schemas.openxmlformats.org/markup-compatibility/2006" xmlns:a14="http://schemas.microsoft.com/office/drawing/2010/main">
+        <mc:Choice Requires="a14">
           <p:sp>
             <p:nvSpPr>
               <p:cNvPr id="33" name="Content Placeholder 32"/>
@@ -4792,7 +4968,7 @@
                             <a:solidFill>
                               <a:srgbClr val="0070C0"/>
                             </a:solidFill>
-                            <a:latin typeface="Cambria Math" panose="02040503050406030204" pitchFamily="18" charset="0"/>
+                            <a:latin typeface="Cambria Math"/>
                           </a:rPr>
                         </m:ctrlPr>
                       </m:sSubPr>
@@ -4958,6 +5134,15 @@
                     <a:latin typeface="Cambria Math"/>
                   </a:rPr>
                   <a:t>Process model:</a:t>
+                </a:r>
+                <a:r>
+                  <a:rPr lang="en-US" sz="1400" b="0" i="1" dirty="0">
+                    <a:solidFill>
+                      <a:srgbClr val="002060"/>
+                    </a:solidFill>
+                    <a:latin typeface="Cambria Math"/>
+                  </a:rPr>
+                  <a:t/>
                 </a:r>
                 <a:br>
                   <a:rPr lang="en-US" sz="1400" b="0" i="1" dirty="0">
@@ -4985,7 +5170,7 @@
                             <a:solidFill>
                               <a:srgbClr val="002060"/>
                             </a:solidFill>
-                            <a:latin typeface="Cambria Math" panose="02040503050406030204" pitchFamily="18" charset="0"/>
+                            <a:latin typeface="Cambria Math"/>
                           </a:rPr>
                         </m:ctrlPr>
                       </m:dPr>
@@ -5062,7 +5247,7 @@
                             <a:solidFill>
                               <a:srgbClr val="002060"/>
                             </a:solidFill>
-                            <a:latin typeface="Cambria Math" panose="02040503050406030204" pitchFamily="18" charset="0"/>
+                            <a:latin typeface="Cambria Math"/>
                           </a:rPr>
                         </m:ctrlPr>
                       </m:dPr>
@@ -5103,7 +5288,7 @@
                             <a:solidFill>
                               <a:srgbClr val="002060"/>
                             </a:solidFill>
-                            <a:latin typeface="Cambria Math" panose="02040503050406030204" pitchFamily="18" charset="0"/>
+                            <a:latin typeface="Cambria Math"/>
                           </a:rPr>
                         </m:ctrlPr>
                       </m:dPr>
@@ -5138,7 +5323,7 @@
                                 <a:solidFill>
                                   <a:srgbClr val="002060"/>
                                 </a:solidFill>
-                                <a:latin typeface="Cambria Math" panose="02040503050406030204" pitchFamily="18" charset="0"/>
+                                <a:latin typeface="Cambria Math"/>
                                 <a:ea typeface="Cambria Math"/>
                               </a:rPr>
                             </m:ctrlPr>
@@ -5210,6 +5395,16 @@
                     </m:r>
                   </m:oMath>
                 </a14:m>
+                <a:r>
+                  <a:rPr lang="en-US" sz="1400" b="0" i="0" dirty="0">
+                    <a:solidFill>
+                      <a:srgbClr val="002060"/>
+                    </a:solidFill>
+                    <a:latin typeface="Cambria Math"/>
+                    <a:ea typeface="Cambria Math"/>
+                  </a:rPr>
+                  <a:t/>
+                </a:r>
                 <a:br>
                   <a:rPr lang="en-US" sz="1400" b="0" i="0" dirty="0">
                     <a:solidFill>
@@ -5238,7 +5433,7 @@
                             <a:solidFill>
                               <a:srgbClr val="002060"/>
                             </a:solidFill>
-                            <a:latin typeface="Cambria Math" panose="02040503050406030204" pitchFamily="18" charset="0"/>
+                            <a:latin typeface="Cambria Math"/>
                             <a:ea typeface="Cambria Math"/>
                           </a:rPr>
                         </m:ctrlPr>
@@ -5336,7 +5531,7 @@
                             <a:solidFill>
                               <a:srgbClr val="002060"/>
                             </a:solidFill>
-                            <a:latin typeface="Cambria Math" panose="02040503050406030204" pitchFamily="18" charset="0"/>
+                            <a:latin typeface="Cambria Math"/>
                             <a:ea typeface="Cambria Math"/>
                           </a:rPr>
                         </m:ctrlPr>
@@ -5380,7 +5575,7 @@
                             <a:solidFill>
                               <a:srgbClr val="002060"/>
                             </a:solidFill>
-                            <a:latin typeface="Cambria Math" panose="02040503050406030204" pitchFamily="18" charset="0"/>
+                            <a:latin typeface="Cambria Math"/>
                           </a:rPr>
                         </m:ctrlPr>
                       </m:dPr>
@@ -5435,7 +5630,7 @@
                             <a:solidFill>
                               <a:srgbClr val="002060"/>
                             </a:solidFill>
-                            <a:latin typeface="Cambria Math" panose="02040503050406030204" pitchFamily="18" charset="0"/>
+                            <a:latin typeface="Cambria Math"/>
                             <a:ea typeface="Cambria Math"/>
                           </a:rPr>
                         </m:ctrlPr>
@@ -5475,6 +5670,16 @@
                     </m:r>
                   </m:oMath>
                 </a14:m>
+                <a:r>
+                  <a:rPr lang="en-US" sz="1400" b="0" i="1" dirty="0">
+                    <a:solidFill>
+                      <a:srgbClr val="002060"/>
+                    </a:solidFill>
+                    <a:latin typeface="Cambria Math"/>
+                    <a:ea typeface="Cambria Math"/>
+                  </a:rPr>
+                  <a:t/>
+                </a:r>
                 <a:br>
                   <a:rPr lang="en-US" sz="1400" b="0" i="1" dirty="0">
                     <a:solidFill>
@@ -5503,7 +5708,7 @@
                             <a:solidFill>
                               <a:srgbClr val="002060"/>
                             </a:solidFill>
-                            <a:latin typeface="Cambria Math" panose="02040503050406030204" pitchFamily="18" charset="0"/>
+                            <a:latin typeface="Cambria Math"/>
                             <a:ea typeface="Cambria Math"/>
                           </a:rPr>
                         </m:ctrlPr>
@@ -5601,7 +5806,7 @@
                             <a:solidFill>
                               <a:srgbClr val="002060"/>
                             </a:solidFill>
-                            <a:latin typeface="Cambria Math" panose="02040503050406030204" pitchFamily="18" charset="0"/>
+                            <a:latin typeface="Cambria Math"/>
                             <a:ea typeface="Cambria Math"/>
                           </a:rPr>
                         </m:ctrlPr>
@@ -5659,7 +5864,7 @@
                             <a:solidFill>
                               <a:srgbClr val="002060"/>
                             </a:solidFill>
-                            <a:latin typeface="Cambria Math" panose="02040503050406030204" pitchFamily="18" charset="0"/>
+                            <a:latin typeface="Cambria Math"/>
                             <a:ea typeface="Cambria Math"/>
                           </a:rPr>
                         </m:ctrlPr>
@@ -5714,7 +5919,7 @@
                             <a:solidFill>
                               <a:srgbClr val="002060"/>
                             </a:solidFill>
-                            <a:latin typeface="Cambria Math" panose="02040503050406030204" pitchFamily="18" charset="0"/>
+                            <a:latin typeface="Cambria Math"/>
                             <a:ea typeface="Cambria Math"/>
                           </a:rPr>
                         </m:ctrlPr>
@@ -5730,7 +5935,7 @@
                                 <a:solidFill>
                                   <a:srgbClr val="002060"/>
                                 </a:solidFill>
-                                <a:latin typeface="Cambria Math" panose="02040503050406030204" pitchFamily="18" charset="0"/>
+                                <a:latin typeface="Cambria Math"/>
                                 <a:ea typeface="Cambria Math"/>
                               </a:rPr>
                             </m:ctrlPr>
@@ -5786,7 +5991,7 @@
                                 <a:solidFill>
                                   <a:srgbClr val="002060"/>
                                 </a:solidFill>
-                                <a:latin typeface="Cambria Math" panose="02040503050406030204" pitchFamily="18" charset="0"/>
+                                <a:latin typeface="Cambria Math"/>
                               </a:rPr>
                             </m:ctrlPr>
                           </m:dPr>
@@ -5873,7 +6078,7 @@
                             <a:solidFill>
                               <a:srgbClr val="002060"/>
                             </a:solidFill>
-                            <a:latin typeface="Cambria Math" panose="02040503050406030204" pitchFamily="18" charset="0"/>
+                            <a:latin typeface="Cambria Math"/>
                             <a:ea typeface="Cambria Math"/>
                           </a:rPr>
                         </m:ctrlPr>
@@ -5997,7 +6202,7 @@
             </p:txBody>
           </p:sp>
         </mc:Choice>
-        <mc:Fallback>
+        <mc:Fallback xmlns="">
           <p:sp>
             <p:nvSpPr>
               <p:cNvPr id="33" name="Content Placeholder 32"/>
@@ -6162,7 +6367,7 @@
                                   <a:solidFill>
                                     <a:srgbClr val="0070C0"/>
                                   </a:solidFill>
-                                  <a:latin typeface="Cambria Math" panose="02040503050406030204" pitchFamily="18" charset="0"/>
+                                  <a:latin typeface="Cambria Math"/>
                                 </a:rPr>
                               </m:ctrlPr>
                             </m:sSubPr>
@@ -6233,7 +6438,7 @@
                                   <a:solidFill>
                                     <a:srgbClr val="0070C0"/>
                                   </a:solidFill>
-                                  <a:latin typeface="Cambria Math" panose="02040503050406030204" pitchFamily="18" charset="0"/>
+                                  <a:latin typeface="Cambria Math"/>
                                 </a:rPr>
                               </m:ctrlPr>
                             </m:fPr>
@@ -6259,7 +6464,7 @@
                                       <a:solidFill>
                                         <a:srgbClr val="0070C0"/>
                                       </a:solidFill>
-                                      <a:latin typeface="Cambria Math" panose="02040503050406030204" pitchFamily="18" charset="0"/>
+                                      <a:latin typeface="Cambria Math"/>
                                     </a:rPr>
                                   </m:ctrlPr>
                                 </m:sSubPr>
@@ -6341,7 +6546,7 @@
                                   <a:solidFill>
                                     <a:srgbClr val="0070C0"/>
                                   </a:solidFill>
-                                  <a:latin typeface="Cambria Math" panose="02040503050406030204" pitchFamily="18" charset="0"/>
+                                  <a:latin typeface="Cambria Math"/>
                                 </a:rPr>
                               </m:ctrlPr>
                             </m:dPr>
@@ -6353,7 +6558,7 @@
                                       <a:solidFill>
                                         <a:srgbClr val="0070C0"/>
                                       </a:solidFill>
-                                      <a:latin typeface="Cambria Math" panose="02040503050406030204" pitchFamily="18" charset="0"/>
+                                      <a:latin typeface="Cambria Math"/>
                                     </a:rPr>
                                   </m:ctrlPr>
                                 </m:sSubPr>
@@ -6416,7 +6621,7 @@
                                   <a:solidFill>
                                     <a:srgbClr val="0070C0"/>
                                   </a:solidFill>
-                                  <a:latin typeface="Cambria Math" panose="02040503050406030204" pitchFamily="18" charset="0"/>
+                                  <a:latin typeface="Cambria Math"/>
                                 </a:rPr>
                               </m:ctrlPr>
                             </m:sSubPr>
@@ -6495,7 +6700,7 @@
                                   <a:solidFill>
                                     <a:srgbClr val="0070C0"/>
                                   </a:solidFill>
-                                  <a:latin typeface="Cambria Math" panose="02040503050406030204" pitchFamily="18" charset="0"/>
+                                  <a:latin typeface="Cambria Math"/>
                                 </a:rPr>
                               </m:ctrlPr>
                             </m:sSubPr>
@@ -6547,7 +6752,7 @@
                                   <a:solidFill>
                                     <a:srgbClr val="0070C0"/>
                                   </a:solidFill>
-                                  <a:latin typeface="Cambria Math" panose="02040503050406030204" pitchFamily="18" charset="0"/>
+                                  <a:latin typeface="Cambria Math"/>
                                 </a:rPr>
                               </m:ctrlPr>
                             </m:sSubPr>
@@ -6787,7 +6992,7 @@
                                     <a:solidFill>
                                       <a:srgbClr val="0070C0"/>
                                     </a:solidFill>
-                                    <a:latin typeface="Cambria Math" panose="02040503050406030204" pitchFamily="18" charset="0"/>
+                                    <a:latin typeface="Cambria Math"/>
                                   </a:rPr>
                                 </m:ctrlPr>
                               </m:dPr>
@@ -6826,7 +7031,7 @@
                                         <a:solidFill>
                                           <a:srgbClr val="0070C0"/>
                                         </a:solidFill>
-                                        <a:latin typeface="Cambria Math" panose="02040503050406030204" pitchFamily="18" charset="0"/>
+                                        <a:latin typeface="Cambria Math"/>
                                       </a:rPr>
                                     </m:ctrlPr>
                                   </m:dPr>
@@ -6852,7 +7057,7 @@
                                     <a:solidFill>
                                       <a:srgbClr val="0070C0"/>
                                     </a:solidFill>
-                                    <a:latin typeface="Cambria Math" panose="02040503050406030204" pitchFamily="18" charset="0"/>
+                                    <a:latin typeface="Cambria Math"/>
                                   </a:rPr>
                                 </m:ctrlPr>
                               </m:fPr>
@@ -6875,7 +7080,7 @@
                                         <a:solidFill>
                                           <a:srgbClr val="0070C0"/>
                                         </a:solidFill>
-                                        <a:latin typeface="Cambria Math" panose="02040503050406030204" pitchFamily="18" charset="0"/>
+                                        <a:latin typeface="Cambria Math"/>
                                       </a:rPr>
                                     </m:ctrlPr>
                                   </m:sSubPr>
@@ -7466,8 +7671,8 @@
           </a:p>
         </p:txBody>
       </p:sp>
-      <mc:AlternateContent xmlns:mc="http://schemas.openxmlformats.org/markup-compatibility/2006">
-        <mc:Choice xmlns:a14="http://schemas.microsoft.com/office/drawing/2010/main" Requires="a14">
+      <mc:AlternateContent xmlns:mc="http://schemas.openxmlformats.org/markup-compatibility/2006" xmlns:a14="http://schemas.microsoft.com/office/drawing/2010/main">
+        <mc:Choice Requires="a14">
           <p:sp>
             <p:nvSpPr>
               <p:cNvPr id="7" name="Content Placeholder 6"/>
@@ -7568,6 +7773,14 @@
                   <a:rPr lang="en-US" sz="1800" dirty="0"/>
                   <a:t>: Inertial delta -- integrated IMU data points (over key frame duration) </a:t>
                 </a:r>
+                <a:r>
+                  <a:rPr lang="en-US" sz="1800" dirty="0">
+                    <a:solidFill>
+                      <a:srgbClr val="002060"/>
+                    </a:solidFill>
+                  </a:rPr>
+                  <a:t/>
+                </a:r>
                 <a:br>
                   <a:rPr lang="en-US" sz="1800" dirty="0">
                     <a:solidFill>
@@ -7756,6 +7969,14 @@
                     </a:solidFill>
                   </a:rPr>
                 </a:br>
+                <a:r>
+                  <a:rPr lang="en-US" sz="1800" dirty="0">
+                    <a:solidFill>
+                      <a:srgbClr val="002060"/>
+                    </a:solidFill>
+                  </a:rPr>
+                  <a:t/>
+                </a:r>
                 <a:br>
                   <a:rPr lang="en-US" sz="1800" dirty="0">
                     <a:solidFill>
@@ -7798,7 +8019,7 @@
                         <m:chr m:val="∏"/>
                         <m:ctrlPr>
                           <a:rPr lang="en-US" sz="1700" i="1">
-                            <a:latin typeface="Cambria Math" panose="02040503050406030204" pitchFamily="18" charset="0"/>
+                            <a:latin typeface="Cambria Math"/>
                             <a:ea typeface="Cambria Math"/>
                           </a:rPr>
                         </m:ctrlPr>
@@ -7857,7 +8078,7 @@
                           <m:dPr>
                             <m:ctrlPr>
                               <a:rPr lang="en-US" sz="1700" i="1">
-                                <a:latin typeface="Cambria Math" panose="02040503050406030204" pitchFamily="18" charset="0"/>
+                                <a:latin typeface="Cambria Math"/>
                                 <a:ea typeface="Cambria Math"/>
                               </a:rPr>
                             </m:ctrlPr>
@@ -7976,7 +8197,7 @@
                         <m:limLoc m:val="subSup"/>
                         <m:ctrlPr>
                           <a:rPr lang="en-US" sz="1700" i="1">
-                            <a:latin typeface="Cambria Math" panose="02040503050406030204" pitchFamily="18" charset="0"/>
+                            <a:latin typeface="Cambria Math"/>
                             <a:ea typeface="Cambria Math"/>
                           </a:rPr>
                         </m:ctrlPr>
@@ -8035,7 +8256,7 @@
                           <m:sSupPr>
                             <m:ctrlPr>
                               <a:rPr lang="en-US" sz="1700" i="1" smtClean="0">
-                                <a:latin typeface="Cambria Math" panose="02040503050406030204" pitchFamily="18" charset="0"/>
+                                <a:latin typeface="Cambria Math"/>
                                 <a:ea typeface="Cambria Math"/>
                               </a:rPr>
                             </m:ctrlPr>
@@ -8158,7 +8379,7 @@
                       <m:sSubSupPr>
                         <m:ctrlPr>
                           <a:rPr lang="en-AU" sz="1700" i="1">
-                            <a:latin typeface="Cambria Math" panose="02040503050406030204" pitchFamily="18" charset="0"/>
+                            <a:latin typeface="Cambria Math"/>
                           </a:rPr>
                         </m:ctrlPr>
                       </m:sSubSupPr>
@@ -8205,7 +8426,7 @@
                             <a:solidFill>
                               <a:srgbClr val="002060"/>
                             </a:solidFill>
-                            <a:latin typeface="Cambria Math" panose="02040503050406030204" pitchFamily="18" charset="0"/>
+                            <a:latin typeface="Cambria Math"/>
                           </a:rPr>
                         </m:ctrlPr>
                       </m:naryPr>
@@ -8269,7 +8490,7 @@
                                 <a:solidFill>
                                   <a:srgbClr val="002060"/>
                                 </a:solidFill>
-                                <a:latin typeface="Cambria Math" panose="02040503050406030204" pitchFamily="18" charset="0"/>
+                                <a:latin typeface="Cambria Math"/>
                               </a:rPr>
                             </m:ctrlPr>
                           </m:boxPr>
@@ -8284,7 +8505,7 @@
                                     <a:solidFill>
                                       <a:srgbClr val="002060"/>
                                     </a:solidFill>
-                                    <a:latin typeface="Cambria Math" panose="02040503050406030204" pitchFamily="18" charset="0"/>
+                                    <a:latin typeface="Cambria Math"/>
                                   </a:rPr>
                                 </m:ctrlPr>
                               </m:fPr>
@@ -8339,7 +8560,7 @@
                                 <a:solidFill>
                                   <a:srgbClr val="002060"/>
                                 </a:solidFill>
-                                <a:latin typeface="Cambria Math" panose="02040503050406030204" pitchFamily="18" charset="0"/>
+                                <a:latin typeface="Cambria Math"/>
                                 <a:ea typeface="Cambria Math"/>
                               </a:rPr>
                             </m:ctrlPr>
@@ -8426,7 +8647,7 @@
                                 <a:solidFill>
                                   <a:srgbClr val="002060"/>
                                 </a:solidFill>
-                                <a:latin typeface="Cambria Math" panose="02040503050406030204" pitchFamily="18" charset="0"/>
+                                <a:latin typeface="Cambria Math"/>
                                 <a:ea typeface="Cambria Math"/>
                               </a:rPr>
                             </m:ctrlPr>
@@ -8554,7 +8775,7 @@
                       <m:sSubSupPr>
                         <m:ctrlPr>
                           <a:rPr lang="en-US" sz="1700" b="0" i="1" smtClean="0">
-                            <a:latin typeface="Cambria Math" panose="02040503050406030204" pitchFamily="18" charset="0"/>
+                            <a:latin typeface="Cambria Math"/>
                             <a:ea typeface="Cambria Math"/>
                           </a:rPr>
                         </m:ctrlPr>
@@ -8591,7 +8812,7 @@
                       <m:sSubPr>
                         <m:ctrlPr>
                           <a:rPr lang="en-US" sz="1700" b="0" i="1" smtClean="0">
-                            <a:latin typeface="Cambria Math" panose="02040503050406030204" pitchFamily="18" charset="0"/>
+                            <a:latin typeface="Cambria Math"/>
                             <a:ea typeface="Cambria Math"/>
                           </a:rPr>
                         </m:ctrlPr>
@@ -8641,6 +8862,10 @@
                     <a:ea typeface="Cambria Math"/>
                   </a:rPr>
                   <a:t> 4)</a:t>
+                </a:r>
+                <a:r>
+                  <a:rPr lang="en-US" sz="1700" dirty="0"/>
+                  <a:t/>
                 </a:r>
                 <a:br>
                   <a:rPr lang="en-US" sz="1700" dirty="0"/>
@@ -8679,7 +8904,7 @@
                       <m:sSubSupPr>
                         <m:ctrlPr>
                           <a:rPr lang="en-US" sz="1700" i="1" smtClean="0">
-                            <a:latin typeface="Cambria Math" panose="02040503050406030204" pitchFamily="18" charset="0"/>
+                            <a:latin typeface="Cambria Math"/>
                             <a:ea typeface="Cambria Math"/>
                           </a:rPr>
                         </m:ctrlPr>
@@ -8786,7 +9011,7 @@
                       <m:sSubPr>
                         <m:ctrlPr>
                           <a:rPr lang="en-US" sz="1700" i="1" smtClean="0">
-                            <a:latin typeface="Cambria Math" panose="02040503050406030204" pitchFamily="18" charset="0"/>
+                            <a:latin typeface="Cambria Math"/>
                             <a:ea typeface="Cambria Math"/>
                           </a:rPr>
                         </m:ctrlPr>
@@ -8847,7 +9072,7 @@
                       <m:sSubSupPr>
                         <m:ctrlPr>
                           <a:rPr lang="en-AU" sz="1700" i="1">
-                            <a:latin typeface="Cambria Math" panose="02040503050406030204" pitchFamily="18" charset="0"/>
+                            <a:latin typeface="Cambria Math"/>
                           </a:rPr>
                         </m:ctrlPr>
                       </m:sSubSupPr>
@@ -8887,7 +9112,7 @@
                       <m:sSubSupPr>
                         <m:ctrlPr>
                           <a:rPr lang="en-US" sz="1700" b="0" i="1" smtClean="0">
-                            <a:latin typeface="Cambria Math" panose="02040503050406030204" pitchFamily="18" charset="0"/>
+                            <a:latin typeface="Cambria Math"/>
                             <a:ea typeface="Cambria Math"/>
                           </a:rPr>
                         </m:ctrlPr>
@@ -8994,7 +9219,7 @@
                       <m:sSubPr>
                         <m:ctrlPr>
                           <a:rPr lang="en-US" sz="1700" b="0" i="1" smtClean="0">
-                            <a:latin typeface="Cambria Math" panose="02040503050406030204" pitchFamily="18" charset="0"/>
+                            <a:latin typeface="Cambria Math"/>
                             <a:ea typeface="Cambria Math"/>
                           </a:rPr>
                         </m:ctrlPr>
@@ -9029,7 +9254,7 @@
                       <m:boxPr>
                         <m:ctrlPr>
                           <a:rPr lang="en-US" sz="1700" b="0" i="1" smtClean="0">
-                            <a:latin typeface="Cambria Math" panose="02040503050406030204" pitchFamily="18" charset="0"/>
+                            <a:latin typeface="Cambria Math"/>
                             <a:ea typeface="Cambria Math"/>
                           </a:rPr>
                         </m:ctrlPr>
@@ -9042,7 +9267,7 @@
                           <m:fPr>
                             <m:ctrlPr>
                               <a:rPr lang="en-US" sz="1700" b="0" i="1" smtClean="0">
-                                <a:latin typeface="Cambria Math" panose="02040503050406030204" pitchFamily="18" charset="0"/>
+                                <a:latin typeface="Cambria Math"/>
                                 <a:ea typeface="Cambria Math"/>
                               </a:rPr>
                             </m:ctrlPr>
@@ -9093,7 +9318,7 @@
                       <m:sSubSupPr>
                         <m:ctrlPr>
                           <a:rPr lang="en-US" sz="1700" b="0" i="1" smtClean="0">
-                            <a:latin typeface="Cambria Math" panose="02040503050406030204" pitchFamily="18" charset="0"/>
+                            <a:latin typeface="Cambria Math"/>
                             <a:ea typeface="Cambria Math"/>
                           </a:rPr>
                         </m:ctrlPr>
@@ -9206,7 +9431,7 @@
             </p:txBody>
           </p:sp>
         </mc:Choice>
-        <mc:Fallback>
+        <mc:Fallback xmlns="">
           <p:sp>
             <p:nvSpPr>
               <p:cNvPr id="7" name="Content Placeholder 6"/>
@@ -9448,6 +9673,10 @@
                   </a:spcAft>
                   <a:buNone/>
                 </a:pPr>
+                <a:r>
+                  <a:rPr lang="en-US" sz="1600" dirty="0"/>
+                  <a:t/>
+                </a:r>
                 <a:br>
                   <a:rPr lang="en-US" sz="1600" dirty="0"/>
                 </a:br>
@@ -9465,7 +9694,7 @@
                         <m:chr m:val="̃"/>
                         <m:ctrlPr>
                           <a:rPr lang="en-AU" sz="1600" i="1" smtClean="0">
-                            <a:latin typeface="Cambria Math" panose="02040503050406030204" pitchFamily="18" charset="0"/>
+                            <a:latin typeface="Cambria Math"/>
                             <a:ea typeface="Cambria Math"/>
                           </a:rPr>
                         </m:ctrlPr>
@@ -9499,7 +9728,7 @@
                         <m:chr m:val="∏"/>
                         <m:ctrlPr>
                           <a:rPr lang="en-US" sz="1600" i="1">
-                            <a:latin typeface="Cambria Math" panose="02040503050406030204" pitchFamily="18" charset="0"/>
+                            <a:latin typeface="Cambria Math"/>
                             <a:ea typeface="Cambria Math"/>
                           </a:rPr>
                         </m:ctrlPr>
@@ -9558,7 +9787,7 @@
                           <m:dPr>
                             <m:ctrlPr>
                               <a:rPr lang="en-US" sz="1600" i="1">
-                                <a:latin typeface="Cambria Math" panose="02040503050406030204" pitchFamily="18" charset="0"/>
+                                <a:latin typeface="Cambria Math"/>
                                 <a:ea typeface="Cambria Math"/>
                               </a:rPr>
                             </m:ctrlPr>
@@ -9568,7 +9797,7 @@
                               <m:dPr>
                                 <m:ctrlPr>
                                   <a:rPr lang="en-US" sz="1600" i="1">
-                                    <a:latin typeface="Cambria Math" panose="02040503050406030204" pitchFamily="18" charset="0"/>
+                                    <a:latin typeface="Cambria Math"/>
                                     <a:ea typeface="Cambria Math"/>
                                   </a:rPr>
                                 </m:ctrlPr>
@@ -9687,7 +9916,7 @@
                         <m:chr m:val="̃"/>
                         <m:ctrlPr>
                           <a:rPr lang="en-AU" sz="1600" i="1" smtClean="0">
-                            <a:latin typeface="Cambria Math" panose="02040503050406030204" pitchFamily="18" charset="0"/>
+                            <a:latin typeface="Cambria Math"/>
                             <a:ea typeface="Cambria Math"/>
                           </a:rPr>
                         </m:ctrlPr>
@@ -9722,7 +9951,7 @@
                         <m:limLoc m:val="subSup"/>
                         <m:ctrlPr>
                           <a:rPr lang="en-US" sz="1600" i="1">
-                            <a:latin typeface="Cambria Math" panose="02040503050406030204" pitchFamily="18" charset="0"/>
+                            <a:latin typeface="Cambria Math"/>
                             <a:ea typeface="Cambria Math"/>
                           </a:rPr>
                         </m:ctrlPr>
@@ -9787,7 +10016,7 @@
                                 <a:solidFill>
                                   <a:srgbClr val="002060"/>
                                 </a:solidFill>
-                                <a:latin typeface="Cambria Math" panose="02040503050406030204" pitchFamily="18" charset="0"/>
+                                <a:latin typeface="Cambria Math"/>
                                 <a:ea typeface="Cambria Math"/>
                               </a:rPr>
                             </m:ctrlPr>
@@ -9801,7 +10030,7 @@
                                     <a:solidFill>
                                       <a:srgbClr val="002060"/>
                                     </a:solidFill>
-                                    <a:latin typeface="Cambria Math" panose="02040503050406030204" pitchFamily="18" charset="0"/>
+                                    <a:latin typeface="Cambria Math"/>
                                     <a:ea typeface="Cambria Math"/>
                                   </a:rPr>
                                 </m:ctrlPr>
@@ -9938,7 +10167,7 @@
                       <m:sSubSupPr>
                         <m:ctrlPr>
                           <a:rPr lang="en-AU" sz="1600" i="1">
-                            <a:latin typeface="Cambria Math" panose="02040503050406030204" pitchFamily="18" charset="0"/>
+                            <a:latin typeface="Cambria Math"/>
                           </a:rPr>
                         </m:ctrlPr>
                       </m:sSubSupPr>
@@ -9955,7 +10184,7 @@
                             <m:chr m:val="̃"/>
                             <m:ctrlPr>
                               <a:rPr lang="en-AU" sz="1600" i="1" smtClean="0">
-                                <a:latin typeface="Cambria Math" panose="02040503050406030204" pitchFamily="18" charset="0"/>
+                                <a:latin typeface="Cambria Math"/>
                                 <a:ea typeface="Cambria Math"/>
                               </a:rPr>
                             </m:ctrlPr>
@@ -10006,7 +10235,7 @@
                             <a:solidFill>
                               <a:srgbClr val="002060"/>
                             </a:solidFill>
-                            <a:latin typeface="Cambria Math" panose="02040503050406030204" pitchFamily="18" charset="0"/>
+                            <a:latin typeface="Cambria Math"/>
                           </a:rPr>
                         </m:ctrlPr>
                       </m:naryPr>
@@ -10070,7 +10299,7 @@
                                 <a:solidFill>
                                   <a:srgbClr val="002060"/>
                                 </a:solidFill>
-                                <a:latin typeface="Cambria Math" panose="02040503050406030204" pitchFamily="18" charset="0"/>
+                                <a:latin typeface="Cambria Math"/>
                               </a:rPr>
                             </m:ctrlPr>
                           </m:boxPr>
@@ -10085,7 +10314,7 @@
                                     <a:solidFill>
                                       <a:srgbClr val="002060"/>
                                     </a:solidFill>
-                                    <a:latin typeface="Cambria Math" panose="02040503050406030204" pitchFamily="18" charset="0"/>
+                                    <a:latin typeface="Cambria Math"/>
                                   </a:rPr>
                                 </m:ctrlPr>
                               </m:fPr>
@@ -10140,7 +10369,7 @@
                                 <a:solidFill>
                                   <a:srgbClr val="002060"/>
                                 </a:solidFill>
-                                <a:latin typeface="Cambria Math" panose="02040503050406030204" pitchFamily="18" charset="0"/>
+                                <a:latin typeface="Cambria Math"/>
                                 <a:ea typeface="Cambria Math"/>
                               </a:rPr>
                             </m:ctrlPr>
@@ -10154,7 +10383,7 @@
                                     <a:solidFill>
                                       <a:srgbClr val="002060"/>
                                     </a:solidFill>
-                                    <a:latin typeface="Cambria Math" panose="02040503050406030204" pitchFamily="18" charset="0"/>
+                                    <a:latin typeface="Cambria Math"/>
                                     <a:ea typeface="Cambria Math"/>
                                   </a:rPr>
                                 </m:ctrlPr>
@@ -10292,7 +10521,7 @@
                                 <a:solidFill>
                                   <a:srgbClr val="002060"/>
                                 </a:solidFill>
-                                <a:latin typeface="Cambria Math" panose="02040503050406030204" pitchFamily="18" charset="0"/>
+                                <a:latin typeface="Cambria Math"/>
                                 <a:ea typeface="Cambria Math"/>
                               </a:rPr>
                             </m:ctrlPr>
@@ -10457,7 +10686,7 @@
                       <m:sSubPr>
                         <m:ctrlPr>
                           <a:rPr lang="en-US" b="0" i="1" smtClean="0">
-                            <a:latin typeface="Cambria Math" panose="02040503050406030204" pitchFamily="18" charset="0"/>
+                            <a:latin typeface="Cambria Math"/>
                           </a:rPr>
                         </m:ctrlPr>
                       </m:sSubPr>
@@ -10509,7 +10738,7 @@
                       <m:sSubPr>
                         <m:ctrlPr>
                           <a:rPr lang="en-US" i="1">
-                            <a:latin typeface="Cambria Math" panose="02040503050406030204" pitchFamily="18" charset="0"/>
+                            <a:latin typeface="Cambria Math"/>
                           </a:rPr>
                         </m:ctrlPr>
                       </m:sSubPr>
@@ -10549,7 +10778,7 @@
                       <m:sSubSupPr>
                         <m:ctrlPr>
                           <a:rPr lang="en-AU" i="1">
-                            <a:latin typeface="Cambria Math" panose="02040503050406030204" pitchFamily="18" charset="0"/>
+                            <a:latin typeface="Cambria Math"/>
                           </a:rPr>
                         </m:ctrlPr>
                       </m:sSubSupPr>
@@ -10588,7 +10817,7 @@
                       <m:sSubPr>
                         <m:ctrlPr>
                           <a:rPr lang="en-US" b="0" i="1" smtClean="0">
-                            <a:latin typeface="Cambria Math" panose="02040503050406030204" pitchFamily="18" charset="0"/>
+                            <a:latin typeface="Cambria Math"/>
                           </a:rPr>
                         </m:ctrlPr>
                       </m:sSubPr>
@@ -10628,7 +10857,7 @@
                       <m:sSubSupPr>
                         <m:ctrlPr>
                           <a:rPr lang="en-AU" i="1">
-                            <a:latin typeface="Cambria Math" panose="02040503050406030204" pitchFamily="18" charset="0"/>
+                            <a:latin typeface="Cambria Math"/>
                           </a:rPr>
                         </m:ctrlPr>
                       </m:sSubSupPr>
@@ -10692,7 +10921,7 @@
                       <m:sSubPr>
                         <m:ctrlPr>
                           <a:rPr lang="en-US" sz="2600" b="0" i="1" smtClean="0">
-                            <a:latin typeface="Cambria Math" panose="02040503050406030204" pitchFamily="18" charset="0"/>
+                            <a:latin typeface="Cambria Math"/>
                           </a:rPr>
                         </m:ctrlPr>
                       </m:sSubPr>
@@ -10731,7 +10960,7 @@
                         </m:mcs>
                         <m:ctrlPr>
                           <a:rPr lang="en-US" sz="2600" b="0" i="1" smtClean="0">
-                            <a:latin typeface="Cambria Math" panose="02040503050406030204" pitchFamily="18" charset="0"/>
+                            <a:latin typeface="Cambria Math"/>
                           </a:rPr>
                         </m:ctrlPr>
                       </m:mPr>
@@ -10742,7 +10971,7 @@
                               <m:chr m:val="̃"/>
                               <m:ctrlPr>
                                 <a:rPr lang="en-US" sz="2600" b="0" i="1" smtClean="0">
-                                  <a:latin typeface="Cambria Math" panose="02040503050406030204" pitchFamily="18" charset="0"/>
+                                  <a:latin typeface="Cambria Math"/>
                                 </a:rPr>
                               </m:ctrlPr>
                             </m:accPr>
@@ -10751,7 +10980,7 @@
                                 <m:sSubSupPr>
                                   <m:ctrlPr>
                                     <a:rPr lang="en-US" sz="2600" i="1">
-                                      <a:latin typeface="Cambria Math" panose="02040503050406030204" pitchFamily="18" charset="0"/>
+                                      <a:latin typeface="Cambria Math"/>
                                     </a:rPr>
                                   </m:ctrlPr>
                                 </m:sSubSupPr>
@@ -10821,7 +11050,7 @@
                             <m:sSubPr>
                               <m:ctrlPr>
                                 <a:rPr lang="en-US" sz="2600" b="0" i="1" smtClean="0">
-                                  <a:latin typeface="Cambria Math" panose="02040503050406030204" pitchFamily="18" charset="0"/>
+                                  <a:latin typeface="Cambria Math"/>
                                 </a:rPr>
                               </m:ctrlPr>
                             </m:sSubPr>
@@ -10855,7 +11084,7 @@
                             <m:sSubPr>
                               <m:ctrlPr>
                                 <a:rPr lang="en-US" sz="2600" b="0" i="1" smtClean="0">
-                                  <a:latin typeface="Cambria Math" panose="02040503050406030204" pitchFamily="18" charset="0"/>
+                                  <a:latin typeface="Cambria Math"/>
                                 </a:rPr>
                               </m:ctrlPr>
                             </m:sSubPr>
@@ -10911,7 +11140,7 @@
                               <m:chr m:val="̃"/>
                               <m:ctrlPr>
                                 <a:rPr lang="en-US" sz="2600" i="1">
-                                  <a:latin typeface="Cambria Math" panose="02040503050406030204" pitchFamily="18" charset="0"/>
+                                  <a:latin typeface="Cambria Math"/>
                                   <a:ea typeface="Cambria Math"/>
                                 </a:rPr>
                               </m:ctrlPr>
@@ -10921,7 +11150,7 @@
                                 <m:sSubPr>
                                   <m:ctrlPr>
                                     <a:rPr lang="en-US" sz="2600" i="1">
-                                      <a:latin typeface="Cambria Math" panose="02040503050406030204" pitchFamily="18" charset="0"/>
+                                      <a:latin typeface="Cambria Math"/>
                                       <a:ea typeface="Cambria Math"/>
                                     </a:rPr>
                                   </m:ctrlPr>
@@ -10951,7 +11180,7 @@
                             <m:sSupPr>
                               <m:ctrlPr>
                                 <a:rPr lang="en-US" sz="2600" b="0" i="1" smtClean="0">
-                                  <a:latin typeface="Cambria Math" panose="02040503050406030204" pitchFamily="18" charset="0"/>
+                                  <a:latin typeface="Cambria Math"/>
                                 </a:rPr>
                               </m:ctrlPr>
                             </m:sSupPr>
@@ -10960,7 +11189,7 @@
                                 <m:dPr>
                                   <m:ctrlPr>
                                     <a:rPr lang="en-US" sz="2600" b="0" i="1" smtClean="0">
-                                      <a:latin typeface="Cambria Math" panose="02040503050406030204" pitchFamily="18" charset="0"/>
+                                      <a:latin typeface="Cambria Math"/>
                                     </a:rPr>
                                   </m:ctrlPr>
                                 </m:dPr>
@@ -10970,7 +11199,7 @@
                                       <m:chr m:val="̃"/>
                                       <m:ctrlPr>
                                         <a:rPr lang="en-US" sz="2600" b="0" i="1" smtClean="0">
-                                          <a:latin typeface="Cambria Math" panose="02040503050406030204" pitchFamily="18" charset="0"/>
+                                          <a:latin typeface="Cambria Math"/>
                                         </a:rPr>
                                       </m:ctrlPr>
                                     </m:accPr>
@@ -10979,7 +11208,7 @@
                                         <m:sSubPr>
                                           <m:ctrlPr>
                                             <a:rPr lang="en-US" sz="2600" b="0" i="1" smtClean="0">
-                                              <a:latin typeface="Cambria Math" panose="02040503050406030204" pitchFamily="18" charset="0"/>
+                                              <a:latin typeface="Cambria Math"/>
                                             </a:rPr>
                                           </m:ctrlPr>
                                         </m:sSubPr>
@@ -11012,7 +11241,7 @@
                                     <m:sSubSupPr>
                                       <m:ctrlPr>
                                         <a:rPr lang="en-US" sz="2600" i="1">
-                                          <a:latin typeface="Cambria Math" panose="02040503050406030204" pitchFamily="18" charset="0"/>
+                                          <a:latin typeface="Cambria Math"/>
                                         </a:rPr>
                                       </m:ctrlPr>
                                     </m:sSubSupPr>
@@ -11060,7 +11289,7 @@
                             <m:sSubPr>
                               <m:ctrlPr>
                                 <a:rPr lang="en-US" sz="2600" b="0" i="1" smtClean="0">
-                                  <a:latin typeface="Cambria Math" panose="02040503050406030204" pitchFamily="18" charset="0"/>
+                                  <a:latin typeface="Cambria Math"/>
                                 </a:rPr>
                               </m:ctrlPr>
                             </m:sSubPr>
@@ -11094,7 +11323,7 @@
                             <m:sSubPr>
                               <m:ctrlPr>
                                 <a:rPr lang="en-US" sz="2600" b="0" i="1" smtClean="0">
-                                  <a:latin typeface="Cambria Math" panose="02040503050406030204" pitchFamily="18" charset="0"/>
+                                  <a:latin typeface="Cambria Math"/>
                                 </a:rPr>
                               </m:ctrlPr>
                             </m:sSubPr>
@@ -11142,7 +11371,7 @@
                             <m:boxPr>
                               <m:ctrlPr>
                                 <a:rPr lang="en-US" sz="2600" b="0" i="1" smtClean="0">
-                                  <a:latin typeface="Cambria Math" panose="02040503050406030204" pitchFamily="18" charset="0"/>
+                                  <a:latin typeface="Cambria Math"/>
                                 </a:rPr>
                               </m:ctrlPr>
                             </m:boxPr>
@@ -11154,7 +11383,7 @@
                                 <m:fPr>
                                   <m:ctrlPr>
                                     <a:rPr lang="en-US" sz="2600" b="0" i="1" smtClean="0">
-                                      <a:latin typeface="Cambria Math" panose="02040503050406030204" pitchFamily="18" charset="0"/>
+                                      <a:latin typeface="Cambria Math"/>
                                     </a:rPr>
                                   </m:ctrlPr>
                                 </m:fPr>
@@ -11189,7 +11418,7 @@
                               <m:chr m:val="̃"/>
                               <m:ctrlPr>
                                 <a:rPr lang="en-US" sz="2600" b="0" i="1" smtClean="0">
-                                  <a:latin typeface="Cambria Math" panose="02040503050406030204" pitchFamily="18" charset="0"/>
+                                  <a:latin typeface="Cambria Math"/>
                                   <a:ea typeface="Cambria Math"/>
                                 </a:rPr>
                               </m:ctrlPr>
@@ -11199,7 +11428,7 @@
                                 <m:sSubPr>
                                   <m:ctrlPr>
                                     <a:rPr lang="en-US" sz="2600" b="0" i="1" smtClean="0">
-                                      <a:latin typeface="Cambria Math" panose="02040503050406030204" pitchFamily="18" charset="0"/>
+                                      <a:latin typeface="Cambria Math"/>
                                       <a:ea typeface="Cambria Math"/>
                                     </a:rPr>
                                   </m:ctrlPr>
@@ -11229,7 +11458,7 @@
                             <m:sSupPr>
                               <m:ctrlPr>
                                 <a:rPr lang="en-US" sz="2600" b="0" i="1" smtClean="0">
-                                  <a:latin typeface="Cambria Math" panose="02040503050406030204" pitchFamily="18" charset="0"/>
+                                  <a:latin typeface="Cambria Math"/>
                                 </a:rPr>
                               </m:ctrlPr>
                             </m:sSupPr>
@@ -11238,7 +11467,7 @@
                                 <m:dPr>
                                   <m:ctrlPr>
                                     <a:rPr lang="en-US" sz="2600" i="1">
-                                      <a:latin typeface="Cambria Math" panose="02040503050406030204" pitchFamily="18" charset="0"/>
+                                      <a:latin typeface="Cambria Math"/>
                                     </a:rPr>
                                   </m:ctrlPr>
                                 </m:dPr>
@@ -11248,7 +11477,7 @@
                                       <m:chr m:val="̃"/>
                                       <m:ctrlPr>
                                         <a:rPr lang="en-US" sz="2600" i="1">
-                                          <a:latin typeface="Cambria Math" panose="02040503050406030204" pitchFamily="18" charset="0"/>
+                                          <a:latin typeface="Cambria Math"/>
                                         </a:rPr>
                                       </m:ctrlPr>
                                     </m:accPr>
@@ -11257,7 +11486,7 @@
                                         <m:sSubPr>
                                           <m:ctrlPr>
                                             <a:rPr lang="en-US" sz="2600" i="1">
-                                              <a:latin typeface="Cambria Math" panose="02040503050406030204" pitchFamily="18" charset="0"/>
+                                              <a:latin typeface="Cambria Math"/>
                                             </a:rPr>
                                           </m:ctrlPr>
                                         </m:sSubPr>
@@ -11290,7 +11519,7 @@
                                     <m:sSubSupPr>
                                       <m:ctrlPr>
                                         <a:rPr lang="en-US" sz="2600" i="1">
-                                          <a:latin typeface="Cambria Math" panose="02040503050406030204" pitchFamily="18" charset="0"/>
+                                          <a:latin typeface="Cambria Math"/>
                                         </a:rPr>
                                       </m:ctrlPr>
                                     </m:sSubSupPr>
@@ -11343,7 +11572,7 @@
                             <m:sSupPr>
                               <m:ctrlPr>
                                 <a:rPr lang="en-US" sz="2600" b="0" i="1" smtClean="0">
-                                  <a:latin typeface="Cambria Math" panose="02040503050406030204" pitchFamily="18" charset="0"/>
+                                  <a:latin typeface="Cambria Math"/>
                                   <a:ea typeface="Cambria Math"/>
                                 </a:rPr>
                               </m:ctrlPr>
@@ -11373,7 +11602,7 @@
                             <m:sSubPr>
                               <m:ctrlPr>
                                 <a:rPr lang="en-US" sz="2600" b="0" i="1" smtClean="0">
-                                  <a:latin typeface="Cambria Math" panose="02040503050406030204" pitchFamily="18" charset="0"/>
+                                  <a:latin typeface="Cambria Math"/>
                                 </a:rPr>
                               </m:ctrlPr>
                             </m:sSubPr>
@@ -11421,7 +11650,7 @@
                             <m:sSubPr>
                               <m:ctrlPr>
                                 <a:rPr lang="en-US" sz="2600" b="0" i="1" smtClean="0">
-                                  <a:latin typeface="Cambria Math" panose="02040503050406030204" pitchFamily="18" charset="0"/>
+                                  <a:latin typeface="Cambria Math"/>
                                 </a:rPr>
                               </m:ctrlPr>
                             </m:sSubPr>
@@ -11498,7 +11727,7 @@
                       <m:sSubPr>
                         <m:ctrlPr>
                           <a:rPr lang="en-US" sz="2600" i="1" dirty="0" smtClean="0">
-                            <a:latin typeface="Cambria Math" panose="02040503050406030204" pitchFamily="18" charset="0"/>
+                            <a:latin typeface="Cambria Math"/>
                           </a:rPr>
                         </m:ctrlPr>
                       </m:sSubPr>
@@ -11537,7 +11766,7 @@
                         </m:mcs>
                         <m:ctrlPr>
                           <a:rPr lang="en-US" sz="2600" b="0" i="1" dirty="0" smtClean="0">
-                            <a:latin typeface="Cambria Math" panose="02040503050406030204" pitchFamily="18" charset="0"/>
+                            <a:latin typeface="Cambria Math"/>
                           </a:rPr>
                         </m:ctrlPr>
                       </m:mPr>
@@ -11547,7 +11776,7 @@
                             <m:sSubSupPr>
                               <m:ctrlPr>
                                 <a:rPr lang="en-US" sz="2600" i="1" dirty="0">
-                                  <a:latin typeface="Cambria Math" panose="02040503050406030204" pitchFamily="18" charset="0"/>
+                                  <a:latin typeface="Cambria Math"/>
                                 </a:rPr>
                               </m:ctrlPr>
                             </m:sSubSupPr>
@@ -11596,7 +11825,7 @@
                             <m:sSubPr>
                               <m:ctrlPr>
                                 <a:rPr lang="en-US" sz="2600" b="0" i="1" dirty="0" smtClean="0">
-                                  <a:latin typeface="Cambria Math" panose="02040503050406030204" pitchFamily="18" charset="0"/>
+                                  <a:latin typeface="Cambria Math"/>
                                 </a:rPr>
                               </m:ctrlPr>
                             </m:sSubPr>
@@ -11632,7 +11861,7 @@
                             <m:sSubPr>
                               <m:ctrlPr>
                                 <a:rPr lang="en-US" sz="2600" b="0" i="1" dirty="0" smtClean="0">
-                                  <a:latin typeface="Cambria Math" panose="02040503050406030204" pitchFamily="18" charset="0"/>
+                                  <a:latin typeface="Cambria Math"/>
                                 </a:rPr>
                               </m:ctrlPr>
                             </m:sSubPr>
@@ -11674,7 +11903,7 @@
                               <m:chr m:val="̃"/>
                               <m:ctrlPr>
                                 <a:rPr lang="en-US" sz="2600" i="1">
-                                  <a:latin typeface="Cambria Math" panose="02040503050406030204" pitchFamily="18" charset="0"/>
+                                  <a:latin typeface="Cambria Math"/>
                                   <a:ea typeface="Cambria Math"/>
                                 </a:rPr>
                               </m:ctrlPr>
@@ -11684,7 +11913,7 @@
                                 <m:sSubPr>
                                   <m:ctrlPr>
                                     <a:rPr lang="en-US" sz="2600" i="1">
-                                      <a:latin typeface="Cambria Math" panose="02040503050406030204" pitchFamily="18" charset="0"/>
+                                      <a:latin typeface="Cambria Math"/>
                                       <a:ea typeface="Cambria Math"/>
                                     </a:rPr>
                                   </m:ctrlPr>
@@ -11732,7 +11961,7 @@
                             <m:sSubPr>
                               <m:ctrlPr>
                                 <a:rPr lang="en-US" sz="2600" b="0" i="1" dirty="0" smtClean="0">
-                                  <a:latin typeface="Cambria Math" panose="02040503050406030204" pitchFamily="18" charset="0"/>
+                                  <a:latin typeface="Cambria Math"/>
                                 </a:rPr>
                               </m:ctrlPr>
                             </m:sSubPr>
@@ -11766,7 +11995,7 @@
                             <m:boxPr>
                               <m:ctrlPr>
                                 <a:rPr lang="en-US" sz="2600" i="1">
-                                  <a:latin typeface="Cambria Math" panose="02040503050406030204" pitchFamily="18" charset="0"/>
+                                  <a:latin typeface="Cambria Math"/>
                                 </a:rPr>
                               </m:ctrlPr>
                             </m:boxPr>
@@ -11778,7 +12007,7 @@
                                 <m:fPr>
                                   <m:ctrlPr>
                                     <a:rPr lang="en-US" sz="2600" i="1">
-                                      <a:latin typeface="Cambria Math" panose="02040503050406030204" pitchFamily="18" charset="0"/>
+                                      <a:latin typeface="Cambria Math"/>
                                     </a:rPr>
                                   </m:ctrlPr>
                                 </m:fPr>
@@ -11813,7 +12042,7 @@
                               <m:chr m:val="̃"/>
                               <m:ctrlPr>
                                 <a:rPr lang="en-US" sz="2600" i="1">
-                                  <a:latin typeface="Cambria Math" panose="02040503050406030204" pitchFamily="18" charset="0"/>
+                                  <a:latin typeface="Cambria Math"/>
                                   <a:ea typeface="Cambria Math"/>
                                 </a:rPr>
                               </m:ctrlPr>
@@ -11823,7 +12052,7 @@
                                 <m:sSubPr>
                                   <m:ctrlPr>
                                     <a:rPr lang="en-US" sz="2600" i="1">
-                                      <a:latin typeface="Cambria Math" panose="02040503050406030204" pitchFamily="18" charset="0"/>
+                                      <a:latin typeface="Cambria Math"/>
                                       <a:ea typeface="Cambria Math"/>
                                     </a:rPr>
                                   </m:ctrlPr>
@@ -11860,7 +12089,7 @@
                             <m:sSupPr>
                               <m:ctrlPr>
                                 <a:rPr lang="en-US" sz="2600" i="1">
-                                  <a:latin typeface="Cambria Math" panose="02040503050406030204" pitchFamily="18" charset="0"/>
+                                  <a:latin typeface="Cambria Math"/>
                                   <a:ea typeface="Cambria Math"/>
                                 </a:rPr>
                               </m:ctrlPr>
@@ -12634,7 +12863,7 @@
                             </m:mcs>
                             <m:ctrlPr>
                               <a:rPr lang="en-US" i="1">
-                                <a:latin typeface="Cambria Math" panose="02040503050406030204" pitchFamily="18" charset="0"/>
+                                <a:latin typeface="Cambria Math"/>
                               </a:rPr>
                             </m:ctrlPr>
                           </m:mPr>
@@ -12651,7 +12880,7 @@
                                 <m:sSubPr>
                                   <m:ctrlPr>
                                     <a:rPr lang="en-AU" i="1" smtClean="0">
-                                      <a:latin typeface="Cambria Math" panose="02040503050406030204" pitchFamily="18" charset="0"/>
+                                      <a:latin typeface="Cambria Math"/>
                                       <a:ea typeface="Cambria Math"/>
                                     </a:rPr>
                                   </m:ctrlPr>
@@ -12711,7 +12940,7 @@
                                 <m:sSubPr>
                                   <m:ctrlPr>
                                     <a:rPr lang="en-AU" i="1">
-                                      <a:latin typeface="Cambria Math" panose="02040503050406030204" pitchFamily="18" charset="0"/>
+                                      <a:latin typeface="Cambria Math"/>
                                       <a:ea typeface="Cambria Math"/>
                                     </a:rPr>
                                   </m:ctrlPr>
@@ -12771,7 +13000,7 @@
                                 <m:sSubSupPr>
                                   <m:ctrlPr>
                                     <a:rPr lang="en-AU" i="1">
-                                      <a:latin typeface="Cambria Math" panose="02040503050406030204" pitchFamily="18" charset="0"/>
+                                      <a:latin typeface="Cambria Math"/>
                                     </a:rPr>
                                   </m:ctrlPr>
                                 </m:sSubSupPr>
@@ -13486,7 +13715,7 @@
                             <a:solidFill>
                               <a:srgbClr val="002060"/>
                             </a:solidFill>
-                            <a:latin typeface="Cambria Math" panose="02040503050406030204" pitchFamily="18" charset="0"/>
+                            <a:latin typeface="Cambria Math"/>
                           </a:rPr>
                         </m:ctrlPr>
                       </m:accPr>
@@ -13559,7 +13788,7 @@
                             <a:solidFill>
                               <a:srgbClr val="002060"/>
                             </a:solidFill>
-                            <a:latin typeface="Cambria Math" panose="02040503050406030204" pitchFamily="18" charset="0"/>
+                            <a:latin typeface="Cambria Math"/>
                           </a:rPr>
                         </m:ctrlPr>
                       </m:accPr>
@@ -13729,8 +13958,8 @@
           </p:sp>
         </mc:Fallback>
       </mc:AlternateContent>
-      <mc:AlternateContent xmlns:mc="http://schemas.openxmlformats.org/markup-compatibility/2006">
-        <mc:Choice xmlns:a14="http://schemas.microsoft.com/office/drawing/2010/main" Requires="a14">
+      <mc:AlternateContent xmlns:mc="http://schemas.openxmlformats.org/markup-compatibility/2006" xmlns:a14="http://schemas.microsoft.com/office/drawing/2010/main">
+        <mc:Choice Requires="a14">
           <p:sp>
             <p:nvSpPr>
               <p:cNvPr id="4" name="Content Placeholder 3"/>
@@ -13791,7 +14020,7 @@
                         <m:chr m:val="̃"/>
                         <m:ctrlPr>
                           <a:rPr lang="en-US" sz="2000" i="1" smtClean="0">
-                            <a:latin typeface="Cambria Math" panose="02040503050406030204" pitchFamily="18" charset="0"/>
+                            <a:latin typeface="Cambria Math"/>
                             <a:ea typeface="Cambria Math"/>
                           </a:rPr>
                         </m:ctrlPr>
@@ -13817,7 +14046,7 @@
                       <m:dPr>
                         <m:ctrlPr>
                           <a:rPr lang="en-US" sz="2000" i="1" baseline="-25000">
-                            <a:latin typeface="Cambria Math" panose="02040503050406030204" pitchFamily="18" charset="0"/>
+                            <a:latin typeface="Cambria Math"/>
                             <a:ea typeface="Cambria Math"/>
                           </a:rPr>
                         </m:ctrlPr>
@@ -13827,7 +14056,7 @@
                           <m:sSubSupPr>
                             <m:ctrlPr>
                               <a:rPr lang="en-US" sz="2000" i="1" smtClean="0">
-                                <a:latin typeface="Cambria Math" panose="02040503050406030204" pitchFamily="18" charset="0"/>
+                                <a:latin typeface="Cambria Math"/>
                                 <a:ea typeface="Cambria Math"/>
                               </a:rPr>
                             </m:ctrlPr>
@@ -13874,7 +14103,7 @@
                         <m:chr m:val="∏"/>
                         <m:ctrlPr>
                           <a:rPr lang="en-US" sz="2000" i="1">
-                            <a:latin typeface="Cambria Math" panose="02040503050406030204" pitchFamily="18" charset="0"/>
+                            <a:latin typeface="Cambria Math"/>
                             <a:ea typeface="Cambria Math"/>
                           </a:rPr>
                         </m:ctrlPr>
@@ -13933,7 +14162,7 @@
                           <m:dPr>
                             <m:ctrlPr>
                               <a:rPr lang="en-US" sz="2000" i="1">
-                                <a:latin typeface="Cambria Math" panose="02040503050406030204" pitchFamily="18" charset="0"/>
+                                <a:latin typeface="Cambria Math"/>
                                 <a:ea typeface="Cambria Math"/>
                               </a:rPr>
                             </m:ctrlPr>
@@ -13943,7 +14172,7 @@
                               <m:dPr>
                                 <m:ctrlPr>
                                   <a:rPr lang="en-US" sz="2000" i="1">
-                                    <a:latin typeface="Cambria Math" panose="02040503050406030204" pitchFamily="18" charset="0"/>
+                                    <a:latin typeface="Cambria Math"/>
                                     <a:ea typeface="Cambria Math"/>
                                   </a:rPr>
                                 </m:ctrlPr>
@@ -14079,7 +14308,7 @@
                         <m:chr m:val="̃"/>
                         <m:ctrlPr>
                           <a:rPr lang="en-US" sz="2000" i="1">
-                            <a:latin typeface="Cambria Math" panose="02040503050406030204" pitchFamily="18" charset="0"/>
+                            <a:latin typeface="Cambria Math"/>
                             <a:ea typeface="Cambria Math"/>
                           </a:rPr>
                         </m:ctrlPr>
@@ -14105,7 +14334,7 @@
                       <m:dPr>
                         <m:ctrlPr>
                           <a:rPr lang="en-US" sz="2000" i="1">
-                            <a:latin typeface="Cambria Math" panose="02040503050406030204" pitchFamily="18" charset="0"/>
+                            <a:latin typeface="Cambria Math"/>
                             <a:ea typeface="Cambria Math"/>
                           </a:rPr>
                         </m:ctrlPr>
@@ -14115,7 +14344,7 @@
                           <m:sSubSupPr>
                             <m:ctrlPr>
                               <a:rPr lang="en-US" sz="2000" i="1">
-                                <a:latin typeface="Cambria Math" panose="02040503050406030204" pitchFamily="18" charset="0"/>
+                                <a:latin typeface="Cambria Math"/>
                                 <a:ea typeface="Cambria Math"/>
                               </a:rPr>
                             </m:ctrlPr>
@@ -14126,7 +14355,7 @@
                                 <m:chr m:val="̅"/>
                                 <m:ctrlPr>
                                   <a:rPr lang="en-US" sz="2000" i="1">
-                                    <a:latin typeface="Cambria Math" panose="02040503050406030204" pitchFamily="18" charset="0"/>
+                                    <a:latin typeface="Cambria Math"/>
                                     <a:ea typeface="Cambria Math"/>
                                   </a:rPr>
                                 </m:ctrlPr>
@@ -14181,7 +14410,7 @@
                       <m:fPr>
                         <m:ctrlPr>
                           <a:rPr lang="en-US" sz="2000" i="1">
-                            <a:latin typeface="Cambria Math" panose="02040503050406030204" pitchFamily="18" charset="0"/>
+                            <a:latin typeface="Cambria Math"/>
                             <a:ea typeface="Cambria Math"/>
                           </a:rPr>
                         </m:ctrlPr>
@@ -14205,7 +14434,7 @@
                           <m:sSubPr>
                             <m:ctrlPr>
                               <a:rPr lang="en-US" sz="2000" i="1">
-                                <a:latin typeface="Cambria Math" panose="02040503050406030204" pitchFamily="18" charset="0"/>
+                                <a:latin typeface="Cambria Math"/>
                                 <a:ea typeface="Cambria Math"/>
                               </a:rPr>
                             </m:ctrlPr>
@@ -14216,7 +14445,7 @@
                                 <m:chr m:val="̅"/>
                                 <m:ctrlPr>
                                   <a:rPr lang="en-US" sz="2000" i="1">
-                                    <a:latin typeface="Cambria Math" panose="02040503050406030204" pitchFamily="18" charset="0"/>
+                                    <a:latin typeface="Cambria Math"/>
                                     <a:ea typeface="Cambria Math"/>
                                   </a:rPr>
                                 </m:ctrlPr>
@@ -14255,7 +14484,7 @@
                           <m:sSubPr>
                             <m:ctrlPr>
                               <a:rPr lang="en-US" sz="2000" i="1">
-                                <a:latin typeface="Cambria Math" panose="02040503050406030204" pitchFamily="18" charset="0"/>
+                                <a:latin typeface="Cambria Math"/>
                                 <a:ea typeface="Cambria Math"/>
                               </a:rPr>
                             </m:ctrlPr>
@@ -14292,7 +14521,7 @@
                       <m:sSupPr>
                         <m:ctrlPr>
                           <a:rPr lang="en-US" sz="2000" i="1">
-                            <a:latin typeface="Cambria Math" panose="02040503050406030204" pitchFamily="18" charset="0"/>
+                            <a:latin typeface="Cambria Math"/>
                             <a:ea typeface="Cambria Math"/>
                           </a:rPr>
                         </m:ctrlPr>
@@ -14404,7 +14633,7 @@
                           <m:chr m:val="̃"/>
                           <m:ctrlPr>
                             <a:rPr lang="en-US" sz="2000" i="1">
-                              <a:latin typeface="Cambria Math" panose="02040503050406030204" pitchFamily="18" charset="0"/>
+                              <a:latin typeface="Cambria Math"/>
                               <a:ea typeface="Cambria Math"/>
                             </a:rPr>
                           </m:ctrlPr>
@@ -14437,7 +14666,7 @@
                         <m:dPr>
                           <m:ctrlPr>
                             <a:rPr lang="en-US" sz="2000" b="0" i="1" smtClean="0">
-                              <a:latin typeface="Cambria Math" panose="02040503050406030204" pitchFamily="18" charset="0"/>
+                              <a:latin typeface="Cambria Math"/>
                               <a:ea typeface="Cambria Math"/>
                             </a:rPr>
                           </m:ctrlPr>
@@ -14447,7 +14676,7 @@
                             <m:sSubSupPr>
                               <m:ctrlPr>
                                 <a:rPr lang="en-US" sz="2000" i="1">
-                                  <a:latin typeface="Cambria Math" panose="02040503050406030204" pitchFamily="18" charset="0"/>
+                                  <a:latin typeface="Cambria Math"/>
                                   <a:ea typeface="Cambria Math"/>
                                 </a:rPr>
                               </m:ctrlPr>
@@ -14491,7 +14720,7 @@
                             <m:sSubSupPr>
                               <m:ctrlPr>
                                 <a:rPr lang="en-US" sz="2000" i="1">
-                                  <a:latin typeface="Cambria Math" panose="02040503050406030204" pitchFamily="18" charset="0"/>
+                                  <a:latin typeface="Cambria Math"/>
                                   <a:ea typeface="Cambria Math"/>
                                 </a:rPr>
                               </m:ctrlPr>
@@ -14539,7 +14768,7 @@
                           <m:limLoc m:val="subSup"/>
                           <m:ctrlPr>
                             <a:rPr lang="en-US" sz="2000" i="1">
-                              <a:latin typeface="Cambria Math" panose="02040503050406030204" pitchFamily="18" charset="0"/>
+                              <a:latin typeface="Cambria Math"/>
                               <a:ea typeface="Cambria Math"/>
                             </a:rPr>
                           </m:ctrlPr>
@@ -14599,7 +14828,7 @@
                               <m:chr m:val="̃"/>
                               <m:ctrlPr>
                                 <a:rPr lang="en-US" sz="2000" i="1">
-                                  <a:latin typeface="Cambria Math" panose="02040503050406030204" pitchFamily="18" charset="0"/>
+                                  <a:latin typeface="Cambria Math"/>
                                   <a:ea typeface="Cambria Math"/>
                                 </a:rPr>
                               </m:ctrlPr>
@@ -14773,7 +15002,7 @@
                         <m:chr m:val="̃"/>
                         <m:ctrlPr>
                           <a:rPr lang="en-US" sz="2000" i="1">
-                            <a:latin typeface="Cambria Math" panose="02040503050406030204" pitchFamily="18" charset="0"/>
+                            <a:latin typeface="Cambria Math"/>
                             <a:ea typeface="Cambria Math"/>
                           </a:rPr>
                         </m:ctrlPr>
@@ -14820,7 +15049,7 @@
                       <m:sSubSupPr>
                         <m:ctrlPr>
                           <a:rPr lang="en-US" sz="2000" i="1">
-                            <a:latin typeface="Cambria Math" panose="02040503050406030204" pitchFamily="18" charset="0"/>
+                            <a:latin typeface="Cambria Math"/>
                             <a:ea typeface="Cambria Math"/>
                           </a:rPr>
                         </m:ctrlPr>
@@ -14831,7 +15060,7 @@
                             <m:chr m:val="̅"/>
                             <m:ctrlPr>
                               <a:rPr lang="en-US" sz="2000" b="1" i="1">
-                                <a:latin typeface="Cambria Math" panose="02040503050406030204" pitchFamily="18" charset="0"/>
+                                <a:latin typeface="Cambria Math"/>
                                 <a:ea typeface="Cambria Math"/>
                               </a:rPr>
                             </m:ctrlPr>
@@ -14877,7 +15106,7 @@
                       <m:sSubSupPr>
                         <m:ctrlPr>
                           <a:rPr lang="en-US" sz="2000" i="1">
-                            <a:latin typeface="Cambria Math" panose="02040503050406030204" pitchFamily="18" charset="0"/>
+                            <a:latin typeface="Cambria Math"/>
                             <a:ea typeface="Cambria Math"/>
                           </a:rPr>
                         </m:ctrlPr>
@@ -14888,7 +15117,7 @@
                             <m:chr m:val="̅"/>
                             <m:ctrlPr>
                               <a:rPr lang="en-US" sz="2000" b="1" i="1">
-                                <a:latin typeface="Cambria Math" panose="02040503050406030204" pitchFamily="18" charset="0"/>
+                                <a:latin typeface="Cambria Math"/>
                                 <a:ea typeface="Cambria Math"/>
                               </a:rPr>
                             </m:ctrlPr>
@@ -14955,7 +15184,7 @@
                       <m:fPr>
                         <m:ctrlPr>
                           <a:rPr lang="en-US" sz="2000" i="1">
-                            <a:latin typeface="Cambria Math" panose="02040503050406030204" pitchFamily="18" charset="0"/>
+                            <a:latin typeface="Cambria Math"/>
                             <a:ea typeface="Cambria Math"/>
                           </a:rPr>
                         </m:ctrlPr>
@@ -14979,7 +15208,7 @@
                           <m:sSubPr>
                             <m:ctrlPr>
                               <a:rPr lang="en-US" sz="2000" b="1" i="1">
-                                <a:latin typeface="Cambria Math" panose="02040503050406030204" pitchFamily="18" charset="0"/>
+                                <a:latin typeface="Cambria Math"/>
                                 <a:ea typeface="Cambria Math"/>
                               </a:rPr>
                             </m:ctrlPr>
@@ -14990,7 +15219,7 @@
                                 <m:chr m:val="̅"/>
                                 <m:ctrlPr>
                                   <a:rPr lang="en-US" sz="2000" b="1" i="1" smtClean="0">
-                                    <a:latin typeface="Cambria Math" panose="02040503050406030204" pitchFamily="18" charset="0"/>
+                                    <a:latin typeface="Cambria Math"/>
                                     <a:ea typeface="Cambria Math"/>
                                   </a:rPr>
                                 </m:ctrlPr>
@@ -15029,7 +15258,7 @@
                           <m:sSupPr>
                             <m:ctrlPr>
                               <a:rPr lang="en-US" sz="2000" i="1" smtClean="0">
-                                <a:latin typeface="Cambria Math" panose="02040503050406030204" pitchFamily="18" charset="0"/>
+                                <a:latin typeface="Cambria Math"/>
                                 <a:ea typeface="Cambria Math"/>
                               </a:rPr>
                             </m:ctrlPr>
@@ -15066,7 +15295,7 @@
                       <m:sSubSupPr>
                         <m:ctrlPr>
                           <a:rPr lang="en-US" sz="2000" i="1">
-                            <a:latin typeface="Cambria Math" panose="02040503050406030204" pitchFamily="18" charset="0"/>
+                            <a:latin typeface="Cambria Math"/>
                             <a:ea typeface="Cambria Math"/>
                           </a:rPr>
                         </m:ctrlPr>
@@ -15110,7 +15339,7 @@
                       <m:fPr>
                         <m:ctrlPr>
                           <a:rPr lang="en-US" sz="2000" i="1">
-                            <a:latin typeface="Cambria Math" panose="02040503050406030204" pitchFamily="18" charset="0"/>
+                            <a:latin typeface="Cambria Math"/>
                             <a:ea typeface="Cambria Math"/>
                           </a:rPr>
                         </m:ctrlPr>
@@ -15134,7 +15363,7 @@
                           <m:sSubPr>
                             <m:ctrlPr>
                               <a:rPr lang="en-US" sz="2000" i="1">
-                                <a:latin typeface="Cambria Math" panose="02040503050406030204" pitchFamily="18" charset="0"/>
+                                <a:latin typeface="Cambria Math"/>
                                 <a:ea typeface="Cambria Math"/>
                               </a:rPr>
                             </m:ctrlPr>
@@ -15145,7 +15374,7 @@
                                 <m:chr m:val="̅"/>
                                 <m:ctrlPr>
                                   <a:rPr lang="en-US" sz="2000" i="1">
-                                    <a:latin typeface="Cambria Math" panose="02040503050406030204" pitchFamily="18" charset="0"/>
+                                    <a:latin typeface="Cambria Math"/>
                                     <a:ea typeface="Cambria Math"/>
                                   </a:rPr>
                                 </m:ctrlPr>
@@ -15184,7 +15413,7 @@
                           <m:sSupPr>
                             <m:ctrlPr>
                               <a:rPr lang="en-US" sz="2000" i="1" smtClean="0">
-                                <a:latin typeface="Cambria Math" panose="02040503050406030204" pitchFamily="18" charset="0"/>
+                                <a:latin typeface="Cambria Math"/>
                                 <a:ea typeface="Cambria Math"/>
                               </a:rPr>
                             </m:ctrlPr>
@@ -15221,7 +15450,7 @@
                       <m:sSubSupPr>
                         <m:ctrlPr>
                           <a:rPr lang="en-US" sz="2000" i="1">
-                            <a:latin typeface="Cambria Math" panose="02040503050406030204" pitchFamily="18" charset="0"/>
+                            <a:latin typeface="Cambria Math"/>
                             <a:ea typeface="Cambria Math"/>
                           </a:rPr>
                         </m:ctrlPr>
@@ -15310,7 +15539,7 @@
                       <m:sSubSupPr>
                         <m:ctrlPr>
                           <a:rPr lang="en-US" sz="2000" i="1">
-                            <a:latin typeface="Cambria Math" panose="02040503050406030204" pitchFamily="18" charset="0"/>
+                            <a:latin typeface="Cambria Math"/>
                             <a:ea typeface="Cambria Math"/>
                           </a:rPr>
                         </m:ctrlPr>
@@ -15321,7 +15550,7 @@
                             <m:chr m:val="̃"/>
                             <m:ctrlPr>
                               <a:rPr lang="en-US" sz="2000" b="1" i="1">
-                                <a:latin typeface="Cambria Math" panose="02040503050406030204" pitchFamily="18" charset="0"/>
+                                <a:latin typeface="Cambria Math"/>
                                 <a:ea typeface="Cambria Math"/>
                               </a:rPr>
                             </m:ctrlPr>
@@ -15366,7 +15595,7 @@
                       <m:sSubSupPr>
                         <m:ctrlPr>
                           <a:rPr lang="en-US" sz="2000" i="1">
-                            <a:latin typeface="Cambria Math" panose="02040503050406030204" pitchFamily="18" charset="0"/>
+                            <a:latin typeface="Cambria Math"/>
                             <a:ea typeface="Cambria Math"/>
                           </a:rPr>
                         </m:ctrlPr>
@@ -15410,7 +15639,7 @@
                       <m:sSubSupPr>
                         <m:ctrlPr>
                           <a:rPr lang="en-US" sz="2000" i="1">
-                            <a:latin typeface="Cambria Math" panose="02040503050406030204" pitchFamily="18" charset="0"/>
+                            <a:latin typeface="Cambria Math"/>
                             <a:ea typeface="Cambria Math"/>
                           </a:rPr>
                         </m:ctrlPr>
@@ -15467,7 +15696,7 @@
                             <a:solidFill>
                               <a:srgbClr val="002060"/>
                             </a:solidFill>
-                            <a:latin typeface="Cambria Math" panose="02040503050406030204" pitchFamily="18" charset="0"/>
+                            <a:latin typeface="Cambria Math"/>
                           </a:rPr>
                         </m:ctrlPr>
                       </m:naryPr>
@@ -15531,7 +15760,7 @@
                                 <a:solidFill>
                                   <a:srgbClr val="002060"/>
                                 </a:solidFill>
-                                <a:latin typeface="Cambria Math" panose="02040503050406030204" pitchFamily="18" charset="0"/>
+                                <a:latin typeface="Cambria Math"/>
                               </a:rPr>
                             </m:ctrlPr>
                           </m:boxPr>
@@ -15546,7 +15775,7 @@
                                     <a:solidFill>
                                       <a:srgbClr val="002060"/>
                                     </a:solidFill>
-                                    <a:latin typeface="Cambria Math" panose="02040503050406030204" pitchFamily="18" charset="0"/>
+                                    <a:latin typeface="Cambria Math"/>
                                   </a:rPr>
                                 </m:ctrlPr>
                               </m:fPr>
@@ -15599,7 +15828,7 @@
                             <m:chr m:val="̃"/>
                             <m:ctrlPr>
                               <a:rPr lang="en-US" sz="2000" i="1">
-                                <a:latin typeface="Cambria Math" panose="02040503050406030204" pitchFamily="18" charset="0"/>
+                                <a:latin typeface="Cambria Math"/>
                                 <a:ea typeface="Cambria Math"/>
                               </a:rPr>
                             </m:ctrlPr>
@@ -15688,7 +15917,7 @@
                                 <a:solidFill>
                                   <a:srgbClr val="002060"/>
                                 </a:solidFill>
-                                <a:latin typeface="Cambria Math" panose="02040503050406030204" pitchFamily="18" charset="0"/>
+                                <a:latin typeface="Cambria Math"/>
                                 <a:ea typeface="Cambria Math"/>
                               </a:rPr>
                             </m:ctrlPr>
@@ -15781,7 +16010,7 @@
                                 <a:solidFill>
                                   <a:srgbClr val="002060"/>
                                 </a:solidFill>
-                                <a:latin typeface="Cambria Math" panose="02040503050406030204" pitchFamily="18" charset="0"/>
+                                <a:latin typeface="Cambria Math"/>
                                 <a:ea typeface="Cambria Math"/>
                               </a:rPr>
                             </m:ctrlPr>
@@ -15850,7 +16079,7 @@
                       <m:sSubSupPr>
                         <m:ctrlPr>
                           <a:rPr lang="en-US" sz="2000" i="1">
-                            <a:latin typeface="Cambria Math" panose="02040503050406030204" pitchFamily="18" charset="0"/>
+                            <a:latin typeface="Cambria Math"/>
                             <a:ea typeface="Cambria Math"/>
                           </a:rPr>
                         </m:ctrlPr>
@@ -15861,7 +16090,7 @@
                             <m:chr m:val="̃"/>
                             <m:ctrlPr>
                               <a:rPr lang="en-US" sz="2000" b="1" i="1">
-                                <a:latin typeface="Cambria Math" panose="02040503050406030204" pitchFamily="18" charset="0"/>
+                                <a:latin typeface="Cambria Math"/>
                                 <a:ea typeface="Cambria Math"/>
                               </a:rPr>
                             </m:ctrlPr>
@@ -15907,7 +16136,7 @@
                       <m:sSubSupPr>
                         <m:ctrlPr>
                           <a:rPr lang="en-US" sz="2000" i="1">
-                            <a:latin typeface="Cambria Math" panose="02040503050406030204" pitchFamily="18" charset="0"/>
+                            <a:latin typeface="Cambria Math"/>
                             <a:ea typeface="Cambria Math"/>
                           </a:rPr>
                         </m:ctrlPr>
@@ -15918,7 +16147,7 @@
                             <m:chr m:val="̅"/>
                             <m:ctrlPr>
                               <a:rPr lang="en-US" sz="2000" b="1" i="1">
-                                <a:latin typeface="Cambria Math" panose="02040503050406030204" pitchFamily="18" charset="0"/>
+                                <a:latin typeface="Cambria Math"/>
                                 <a:ea typeface="Cambria Math"/>
                               </a:rPr>
                             </m:ctrlPr>
@@ -15964,7 +16193,7 @@
                       <m:sSubSupPr>
                         <m:ctrlPr>
                           <a:rPr lang="en-US" sz="2000" i="1">
-                            <a:latin typeface="Cambria Math" panose="02040503050406030204" pitchFamily="18" charset="0"/>
+                            <a:latin typeface="Cambria Math"/>
                             <a:ea typeface="Cambria Math"/>
                           </a:rPr>
                         </m:ctrlPr>
@@ -15975,7 +16204,7 @@
                             <m:chr m:val="̅"/>
                             <m:ctrlPr>
                               <a:rPr lang="en-US" sz="2000" b="1" i="1">
-                                <a:latin typeface="Cambria Math" panose="02040503050406030204" pitchFamily="18" charset="0"/>
+                                <a:latin typeface="Cambria Math"/>
                                 <a:ea typeface="Cambria Math"/>
                               </a:rPr>
                             </m:ctrlPr>
@@ -16028,7 +16257,7 @@
                       <m:fPr>
                         <m:ctrlPr>
                           <a:rPr lang="en-US" sz="2000" i="1">
-                            <a:latin typeface="Cambria Math" panose="02040503050406030204" pitchFamily="18" charset="0"/>
+                            <a:latin typeface="Cambria Math"/>
                             <a:ea typeface="Cambria Math"/>
                           </a:rPr>
                         </m:ctrlPr>
@@ -16052,7 +16281,7 @@
                           <m:sSubSupPr>
                             <m:ctrlPr>
                               <a:rPr lang="en-US" sz="2000" i="1">
-                                <a:latin typeface="Cambria Math" panose="02040503050406030204" pitchFamily="18" charset="0"/>
+                                <a:latin typeface="Cambria Math"/>
                                 <a:ea typeface="Cambria Math"/>
                               </a:rPr>
                             </m:ctrlPr>
@@ -16063,7 +16292,7 @@
                                 <m:chr m:val="̅"/>
                                 <m:ctrlPr>
                                   <a:rPr lang="en-US" sz="2000" b="0" i="1" smtClean="0">
-                                    <a:latin typeface="Cambria Math" panose="02040503050406030204" pitchFamily="18" charset="0"/>
+                                    <a:latin typeface="Cambria Math"/>
                                     <a:ea typeface="Cambria Math"/>
                                   </a:rPr>
                                 </m:ctrlPr>
@@ -16111,7 +16340,7 @@
                           <m:sSupPr>
                             <m:ctrlPr>
                               <a:rPr lang="en-US" sz="2000" i="1">
-                                <a:latin typeface="Cambria Math" panose="02040503050406030204" pitchFamily="18" charset="0"/>
+                                <a:latin typeface="Cambria Math"/>
                                 <a:ea typeface="Cambria Math"/>
                               </a:rPr>
                             </m:ctrlPr>
@@ -16148,7 +16377,7 @@
                       <m:sSubSupPr>
                         <m:ctrlPr>
                           <a:rPr lang="en-US" sz="2000" i="1">
-                            <a:latin typeface="Cambria Math" panose="02040503050406030204" pitchFamily="18" charset="0"/>
+                            <a:latin typeface="Cambria Math"/>
                             <a:ea typeface="Cambria Math"/>
                           </a:rPr>
                         </m:ctrlPr>
@@ -16192,7 +16421,7 @@
                       <m:fPr>
                         <m:ctrlPr>
                           <a:rPr lang="en-US" sz="2000" i="1">
-                            <a:latin typeface="Cambria Math" panose="02040503050406030204" pitchFamily="18" charset="0"/>
+                            <a:latin typeface="Cambria Math"/>
                             <a:ea typeface="Cambria Math"/>
                           </a:rPr>
                         </m:ctrlPr>
@@ -16216,7 +16445,7 @@
                           <m:sSubPr>
                             <m:ctrlPr>
                               <a:rPr lang="en-US" sz="2000" i="1">
-                                <a:latin typeface="Cambria Math" panose="02040503050406030204" pitchFamily="18" charset="0"/>
+                                <a:latin typeface="Cambria Math"/>
                                 <a:ea typeface="Cambria Math"/>
                               </a:rPr>
                             </m:ctrlPr>
@@ -16266,7 +16495,7 @@
                           <m:sSupPr>
                             <m:ctrlPr>
                               <a:rPr lang="en-US" sz="2000" i="1">
-                                <a:latin typeface="Cambria Math" panose="02040503050406030204" pitchFamily="18" charset="0"/>
+                                <a:latin typeface="Cambria Math"/>
                                 <a:ea typeface="Cambria Math"/>
                               </a:rPr>
                             </m:ctrlPr>
@@ -16303,7 +16532,7 @@
                       <m:sSubSupPr>
                         <m:ctrlPr>
                           <a:rPr lang="en-US" sz="2000" i="1">
-                            <a:latin typeface="Cambria Math" panose="02040503050406030204" pitchFamily="18" charset="0"/>
+                            <a:latin typeface="Cambria Math"/>
                             <a:ea typeface="Cambria Math"/>
                           </a:rPr>
                         </m:ctrlPr>
@@ -16369,7 +16598,7 @@
             </p:txBody>
           </p:sp>
         </mc:Choice>
-        <mc:Fallback>
+        <mc:Fallback xmlns="">
           <p:sp>
             <p:nvSpPr>
               <p:cNvPr id="4" name="Content Placeholder 3"/>
@@ -16557,8 +16786,8 @@
           </a:p>
         </p:txBody>
       </p:sp>
-      <mc:AlternateContent xmlns:mc="http://schemas.openxmlformats.org/markup-compatibility/2006">
-        <mc:Choice xmlns:a14="http://schemas.microsoft.com/office/drawing/2010/main" Requires="a14">
+      <mc:AlternateContent xmlns:mc="http://schemas.openxmlformats.org/markup-compatibility/2006" xmlns:a14="http://schemas.microsoft.com/office/drawing/2010/main">
+        <mc:Choice Requires="a14">
           <p:sp>
             <p:nvSpPr>
               <p:cNvPr id="3" name="Content Placeholder 2"/>
@@ -16642,7 +16871,7 @@
                       <m:sSubPr>
                         <m:ctrlPr>
                           <a:rPr lang="en-US" sz="1800" i="1">
-                            <a:latin typeface="Cambria Math" panose="02040503050406030204" pitchFamily="18" charset="0"/>
+                            <a:latin typeface="Cambria Math"/>
                             <a:ea typeface="Cambria Math"/>
                           </a:rPr>
                         </m:ctrlPr>
@@ -16660,7 +16889,7 @@
                             <m:chr m:val="̃"/>
                             <m:ctrlPr>
                               <a:rPr lang="en-US" sz="1800" i="1">
-                                <a:latin typeface="Cambria Math" panose="02040503050406030204" pitchFamily="18" charset="0"/>
+                                <a:latin typeface="Cambria Math"/>
                                 <a:ea typeface="Cambria Math"/>
                               </a:rPr>
                             </m:ctrlPr>
@@ -16690,7 +16919,7 @@
                       <m:dPr>
                         <m:ctrlPr>
                           <a:rPr lang="en-US" sz="1800" i="1">
-                            <a:latin typeface="Cambria Math" panose="02040503050406030204" pitchFamily="18" charset="0"/>
+                            <a:latin typeface="Cambria Math"/>
                             <a:ea typeface="Cambria Math"/>
                           </a:rPr>
                         </m:ctrlPr>
@@ -16700,7 +16929,7 @@
                           <m:sSubSupPr>
                             <m:ctrlPr>
                               <a:rPr lang="en-US" sz="1800" i="1">
-                                <a:latin typeface="Cambria Math" panose="02040503050406030204" pitchFamily="18" charset="0"/>
+                                <a:latin typeface="Cambria Math"/>
                                 <a:ea typeface="Cambria Math"/>
                               </a:rPr>
                             </m:ctrlPr>
@@ -16711,7 +16940,7 @@
                                 <m:chr m:val="̅"/>
                                 <m:ctrlPr>
                                   <a:rPr lang="en-US" sz="1800" i="1">
-                                    <a:latin typeface="Cambria Math" panose="02040503050406030204" pitchFamily="18" charset="0"/>
+                                    <a:latin typeface="Cambria Math"/>
                                     <a:ea typeface="Cambria Math"/>
                                   </a:rPr>
                                 </m:ctrlPr>
@@ -16774,7 +17003,7 @@
                         <m:chr m:val="̃"/>
                         <m:ctrlPr>
                           <a:rPr lang="en-US" sz="1800" i="1">
-                            <a:latin typeface="Cambria Math" panose="02040503050406030204" pitchFamily="18" charset="0"/>
+                            <a:latin typeface="Cambria Math"/>
                             <a:ea typeface="Cambria Math"/>
                           </a:rPr>
                         </m:ctrlPr>
@@ -16807,7 +17036,7 @@
                       <m:dPr>
                         <m:ctrlPr>
                           <a:rPr lang="en-US" sz="1800" b="0" i="1" smtClean="0">
-                            <a:latin typeface="Cambria Math" panose="02040503050406030204" pitchFamily="18" charset="0"/>
+                            <a:latin typeface="Cambria Math"/>
                             <a:ea typeface="Cambria Math"/>
                           </a:rPr>
                         </m:ctrlPr>
@@ -16817,7 +17046,7 @@
                           <m:sSubSupPr>
                             <m:ctrlPr>
                               <a:rPr lang="en-US" sz="1800" i="1">
-                                <a:latin typeface="Cambria Math" panose="02040503050406030204" pitchFamily="18" charset="0"/>
+                                <a:latin typeface="Cambria Math"/>
                                 <a:ea typeface="Cambria Math"/>
                               </a:rPr>
                             </m:ctrlPr>
@@ -16828,7 +17057,7 @@
                                 <m:chr m:val="̅"/>
                                 <m:ctrlPr>
                                   <a:rPr lang="en-US" sz="1800" b="1" i="1">
-                                    <a:latin typeface="Cambria Math" panose="02040503050406030204" pitchFamily="18" charset="0"/>
+                                    <a:latin typeface="Cambria Math"/>
                                     <a:ea typeface="Cambria Math"/>
                                   </a:rPr>
                                 </m:ctrlPr>
@@ -16874,7 +17103,7 @@
                           <m:sSubSupPr>
                             <m:ctrlPr>
                               <a:rPr lang="en-US" sz="1800" i="1">
-                                <a:latin typeface="Cambria Math" panose="02040503050406030204" pitchFamily="18" charset="0"/>
+                                <a:latin typeface="Cambria Math"/>
                                 <a:ea typeface="Cambria Math"/>
                               </a:rPr>
                             </m:ctrlPr>
@@ -16885,7 +17114,7 @@
                                 <m:chr m:val="̅"/>
                                 <m:ctrlPr>
                                   <a:rPr lang="en-US" sz="1800" b="1" i="1">
-                                    <a:latin typeface="Cambria Math" panose="02040503050406030204" pitchFamily="18" charset="0"/>
+                                    <a:latin typeface="Cambria Math"/>
                                     <a:ea typeface="Cambria Math"/>
                                   </a:rPr>
                                 </m:ctrlPr>
@@ -16940,7 +17169,7 @@
                       <m:sSubSupPr>
                         <m:ctrlPr>
                           <a:rPr lang="en-US" sz="1800" i="1" smtClean="0">
-                            <a:latin typeface="Cambria Math" panose="02040503050406030204" pitchFamily="18" charset="0"/>
+                            <a:latin typeface="Cambria Math"/>
                             <a:ea typeface="Cambria Math"/>
                           </a:rPr>
                         </m:ctrlPr>
@@ -16951,7 +17180,7 @@
                             <m:chr m:val="̃"/>
                             <m:ctrlPr>
                               <a:rPr lang="en-US" sz="1800" b="1" i="1">
-                                <a:latin typeface="Cambria Math" panose="02040503050406030204" pitchFamily="18" charset="0"/>
+                                <a:latin typeface="Cambria Math"/>
                                 <a:ea typeface="Cambria Math"/>
                               </a:rPr>
                             </m:ctrlPr>
@@ -16990,7 +17219,7 @@
                       <m:dPr>
                         <m:ctrlPr>
                           <a:rPr lang="en-US" sz="1800" b="0" i="1" smtClean="0">
-                            <a:latin typeface="Cambria Math" panose="02040503050406030204" pitchFamily="18" charset="0"/>
+                            <a:latin typeface="Cambria Math"/>
                             <a:ea typeface="Cambria Math"/>
                           </a:rPr>
                         </m:ctrlPr>
@@ -17000,7 +17229,7 @@
                           <m:sSubSupPr>
                             <m:ctrlPr>
                               <a:rPr lang="en-US" sz="1800" i="1">
-                                <a:latin typeface="Cambria Math" panose="02040503050406030204" pitchFamily="18" charset="0"/>
+                                <a:latin typeface="Cambria Math"/>
                                 <a:ea typeface="Cambria Math"/>
                               </a:rPr>
                             </m:ctrlPr>
@@ -17011,7 +17240,7 @@
                                 <m:chr m:val="̅"/>
                                 <m:ctrlPr>
                                   <a:rPr lang="en-US" sz="1800" b="1" i="1">
-                                    <a:latin typeface="Cambria Math" panose="02040503050406030204" pitchFamily="18" charset="0"/>
+                                    <a:latin typeface="Cambria Math"/>
                                     <a:ea typeface="Cambria Math"/>
                                   </a:rPr>
                                 </m:ctrlPr>
@@ -17057,7 +17286,7 @@
                           <m:sSubSupPr>
                             <m:ctrlPr>
                               <a:rPr lang="en-US" sz="1800" i="1">
-                                <a:latin typeface="Cambria Math" panose="02040503050406030204" pitchFamily="18" charset="0"/>
+                                <a:latin typeface="Cambria Math"/>
                                 <a:ea typeface="Cambria Math"/>
                               </a:rPr>
                             </m:ctrlPr>
@@ -17068,7 +17297,7 @@
                                 <m:chr m:val="̅"/>
                                 <m:ctrlPr>
                                   <a:rPr lang="en-US" sz="1800" b="1" i="1">
-                                    <a:latin typeface="Cambria Math" panose="02040503050406030204" pitchFamily="18" charset="0"/>
+                                    <a:latin typeface="Cambria Math"/>
                                     <a:ea typeface="Cambria Math"/>
                                   </a:rPr>
                                 </m:ctrlPr>
@@ -17116,7 +17345,7 @@
                       <m:sSubSupPr>
                         <m:ctrlPr>
                           <a:rPr lang="en-US" sz="1800" i="1">
-                            <a:latin typeface="Cambria Math" panose="02040503050406030204" pitchFamily="18" charset="0"/>
+                            <a:latin typeface="Cambria Math"/>
                             <a:ea typeface="Cambria Math"/>
                           </a:rPr>
                         </m:ctrlPr>
@@ -17134,7 +17363,7 @@
                             <m:chr m:val="̅"/>
                             <m:ctrlPr>
                               <a:rPr lang="en-US" sz="1800" b="1" i="1">
-                                <a:latin typeface="Cambria Math" panose="02040503050406030204" pitchFamily="18" charset="0"/>
+                                <a:latin typeface="Cambria Math"/>
                                 <a:ea typeface="Cambria Math"/>
                               </a:rPr>
                             </m:ctrlPr>
@@ -17180,7 +17409,7 @@
                       <m:sSubSupPr>
                         <m:ctrlPr>
                           <a:rPr lang="en-US" sz="1800" i="1">
-                            <a:latin typeface="Cambria Math" panose="02040503050406030204" pitchFamily="18" charset="0"/>
+                            <a:latin typeface="Cambria Math"/>
                             <a:ea typeface="Cambria Math"/>
                           </a:rPr>
                         </m:ctrlPr>
@@ -17198,7 +17427,7 @@
                             <m:chr m:val="̅"/>
                             <m:ctrlPr>
                               <a:rPr lang="en-US" sz="1800" b="1" i="1">
-                                <a:latin typeface="Cambria Math" panose="02040503050406030204" pitchFamily="18" charset="0"/>
+                                <a:latin typeface="Cambria Math"/>
                                 <a:ea typeface="Cambria Math"/>
                               </a:rPr>
                             </m:ctrlPr>
@@ -17320,7 +17549,7 @@
                       <m:sSubPr>
                         <m:ctrlPr>
                           <a:rPr lang="en-US" sz="1800" b="0" i="1" smtClean="0">
-                            <a:latin typeface="Cambria Math" panose="02040503050406030204" pitchFamily="18" charset="0"/>
+                            <a:latin typeface="Cambria Math"/>
                             <a:ea typeface="Cambria Math"/>
                           </a:rPr>
                         </m:ctrlPr>
@@ -17417,7 +17646,7 @@
                       <m:sSubSupPr>
                         <m:ctrlPr>
                           <a:rPr lang="en-US" sz="1800" i="1">
-                            <a:latin typeface="Cambria Math" panose="02040503050406030204" pitchFamily="18" charset="0"/>
+                            <a:latin typeface="Cambria Math"/>
                             <a:ea typeface="Cambria Math"/>
                           </a:rPr>
                         </m:ctrlPr>
@@ -17461,7 +17690,7 @@
                       <m:sSubSupPr>
                         <m:ctrlPr>
                           <a:rPr lang="en-US" sz="1800" i="1">
-                            <a:latin typeface="Cambria Math" panose="02040503050406030204" pitchFamily="18" charset="0"/>
+                            <a:latin typeface="Cambria Math"/>
                             <a:ea typeface="Cambria Math"/>
                           </a:rPr>
                         </m:ctrlPr>
@@ -17535,7 +17764,7 @@
                         <m:chr m:val="̅"/>
                         <m:ctrlPr>
                           <a:rPr lang="en-US" sz="1800" i="1">
-                            <a:latin typeface="Cambria Math" panose="02040503050406030204" pitchFamily="18" charset="0"/>
+                            <a:latin typeface="Cambria Math"/>
                           </a:rPr>
                         </m:ctrlPr>
                       </m:accPr>
@@ -17544,7 +17773,7 @@
                           <m:sSubPr>
                             <m:ctrlPr>
                               <a:rPr lang="en-US" sz="1800" i="1">
-                                <a:latin typeface="Cambria Math" panose="02040503050406030204" pitchFamily="18" charset="0"/>
+                                <a:latin typeface="Cambria Math"/>
                               </a:rPr>
                             </m:ctrlPr>
                           </m:sSubPr>
@@ -17579,7 +17808,7 @@
                         <m:endChr m:val="]"/>
                         <m:ctrlPr>
                           <a:rPr lang="en-US" sz="1800" i="1">
-                            <a:latin typeface="Cambria Math" panose="02040503050406030204" pitchFamily="18" charset="0"/>
+                            <a:latin typeface="Cambria Math"/>
                           </a:rPr>
                         </m:ctrlPr>
                       </m:dPr>
@@ -17596,7 +17825,7 @@
                             </m:mcs>
                             <m:ctrlPr>
                               <a:rPr lang="en-US" sz="1800" i="1">
-                                <a:latin typeface="Cambria Math" panose="02040503050406030204" pitchFamily="18" charset="0"/>
+                                <a:latin typeface="Cambria Math"/>
                               </a:rPr>
                             </m:ctrlPr>
                           </m:mPr>
@@ -17606,7 +17835,7 @@
                                 <m:sSubPr>
                                   <m:ctrlPr>
                                     <a:rPr lang="en-US" sz="1800" i="1">
-                                      <a:latin typeface="Cambria Math" panose="02040503050406030204" pitchFamily="18" charset="0"/>
+                                      <a:latin typeface="Cambria Math"/>
                                     </a:rPr>
                                   </m:ctrlPr>
                                 </m:sSubPr>
@@ -17633,7 +17862,7 @@
                                 <m:sSubSupPr>
                                   <m:ctrlPr>
                                     <a:rPr lang="en-US" sz="1800" i="1">
-                                      <a:latin typeface="Cambria Math" panose="02040503050406030204" pitchFamily="18" charset="0"/>
+                                      <a:latin typeface="Cambria Math"/>
                                     </a:rPr>
                                   </m:ctrlPr>
                                 </m:sSubSupPr>
@@ -17668,7 +17897,7 @@
                                 <m:sSubSupPr>
                                   <m:ctrlPr>
                                     <a:rPr lang="en-US" sz="1800" i="1">
-                                      <a:latin typeface="Cambria Math" panose="02040503050406030204" pitchFamily="18" charset="0"/>
+                                      <a:latin typeface="Cambria Math"/>
                                     </a:rPr>
                                   </m:ctrlPr>
                                 </m:sSubSupPr>
@@ -17705,7 +17934,7 @@
                                 <m:sSubPr>
                                   <m:ctrlPr>
                                     <a:rPr lang="en-US" sz="1800" i="1">
-                                      <a:latin typeface="Cambria Math" panose="02040503050406030204" pitchFamily="18" charset="0"/>
+                                      <a:latin typeface="Cambria Math"/>
                                     </a:rPr>
                                   </m:ctrlPr>
                                 </m:sSubPr>
@@ -17729,14 +17958,7 @@
                                       <a:latin typeface="Cambria Math"/>
                                       <a:ea typeface="Cambria Math"/>
                                     </a:rPr>
-                                    <m:t>×</m:t>
-                                  </m:r>
-                                  <m:r>
-                                    <a:rPr lang="en-US" sz="1800" i="1">
-                                      <a:latin typeface="Cambria Math"/>
-                                      <a:ea typeface="Cambria Math"/>
-                                    </a:rPr>
-                                    <m:t>9</m:t>
+                                    <m:t>×9</m:t>
                                   </m:r>
                                 </m:sub>
                               </m:sSub>
@@ -17746,7 +17968,7 @@
                                 <m:sSubPr>
                                   <m:ctrlPr>
                                     <a:rPr lang="en-US" sz="1800" i="1">
-                                      <a:latin typeface="Cambria Math" panose="02040503050406030204" pitchFamily="18" charset="0"/>
+                                      <a:latin typeface="Cambria Math"/>
                                     </a:rPr>
                                   </m:ctrlPr>
                                 </m:sSubPr>
@@ -17770,14 +17992,7 @@
                                       <a:latin typeface="Cambria Math"/>
                                       <a:ea typeface="Cambria Math"/>
                                     </a:rPr>
-                                    <m:t>×</m:t>
-                                  </m:r>
-                                  <m:r>
-                                    <a:rPr lang="en-US" sz="1800" i="1">
-                                      <a:latin typeface="Cambria Math"/>
-                                      <a:ea typeface="Cambria Math"/>
-                                    </a:rPr>
-                                    <m:t>3</m:t>
+                                    <m:t>×3</m:t>
                                   </m:r>
                                 </m:sub>
                               </m:sSub>
@@ -17787,7 +18002,7 @@
                                 <m:sSubPr>
                                   <m:ctrlPr>
                                     <a:rPr lang="en-US" sz="1800" i="1">
-                                      <a:latin typeface="Cambria Math" panose="02040503050406030204" pitchFamily="18" charset="0"/>
+                                      <a:latin typeface="Cambria Math"/>
                                     </a:rPr>
                                   </m:ctrlPr>
                                 </m:sSubPr>
@@ -17811,14 +18026,7 @@
                                       <a:latin typeface="Cambria Math"/>
                                       <a:ea typeface="Cambria Math"/>
                                     </a:rPr>
-                                    <m:t>×</m:t>
-                                  </m:r>
-                                  <m:r>
-                                    <a:rPr lang="en-US" sz="1800" i="1">
-                                      <a:latin typeface="Cambria Math"/>
-                                      <a:ea typeface="Cambria Math"/>
-                                    </a:rPr>
-                                    <m:t>3</m:t>
+                                    <m:t>×3</m:t>
                                   </m:r>
                                 </m:sub>
                               </m:sSub>
@@ -17840,7 +18048,7 @@
                         <m:chr m:val="̅"/>
                         <m:ctrlPr>
                           <a:rPr lang="en-US" sz="1800" i="1">
-                            <a:latin typeface="Cambria Math" panose="02040503050406030204" pitchFamily="18" charset="0"/>
+                            <a:latin typeface="Cambria Math"/>
                           </a:rPr>
                         </m:ctrlPr>
                       </m:accPr>
@@ -17849,7 +18057,7 @@
                           <m:sSubPr>
                             <m:ctrlPr>
                               <a:rPr lang="en-US" sz="1800" i="1">
-                                <a:latin typeface="Cambria Math" panose="02040503050406030204" pitchFamily="18" charset="0"/>
+                                <a:latin typeface="Cambria Math"/>
                               </a:rPr>
                             </m:ctrlPr>
                           </m:sSubPr>
@@ -17884,7 +18092,7 @@
                         <m:endChr m:val="]"/>
                         <m:ctrlPr>
                           <a:rPr lang="en-US" sz="1800" i="1">
-                            <a:latin typeface="Cambria Math" panose="02040503050406030204" pitchFamily="18" charset="0"/>
+                            <a:latin typeface="Cambria Math"/>
                           </a:rPr>
                         </m:ctrlPr>
                       </m:dPr>
@@ -17901,7 +18109,7 @@
                             </m:mcs>
                             <m:ctrlPr>
                               <a:rPr lang="en-US" sz="1800" i="1">
-                                <a:latin typeface="Cambria Math" panose="02040503050406030204" pitchFamily="18" charset="0"/>
+                                <a:latin typeface="Cambria Math"/>
                               </a:rPr>
                             </m:ctrlPr>
                           </m:mPr>
@@ -17911,7 +18119,7 @@
                                 <m:sSubPr>
                                   <m:ctrlPr>
                                     <a:rPr lang="en-US" sz="1800" i="1">
-                                      <a:latin typeface="Cambria Math" panose="02040503050406030204" pitchFamily="18" charset="0"/>
+                                      <a:latin typeface="Cambria Math"/>
                                     </a:rPr>
                                   </m:ctrlPr>
                                 </m:sSubPr>
@@ -17940,7 +18148,7 @@
                                 <m:sSubPr>
                                   <m:ctrlPr>
                                     <a:rPr lang="en-US" sz="1800" i="1">
-                                      <a:latin typeface="Cambria Math" panose="02040503050406030204" pitchFamily="18" charset="0"/>
+                                      <a:latin typeface="Cambria Math"/>
                                     </a:rPr>
                                   </m:ctrlPr>
                                 </m:sSubPr>
@@ -17964,14 +18172,7 @@
                                       <a:latin typeface="Cambria Math"/>
                                       <a:ea typeface="Cambria Math"/>
                                     </a:rPr>
-                                    <m:t>×</m:t>
-                                  </m:r>
-                                  <m:r>
-                                    <a:rPr lang="en-US" sz="1800" i="1">
-                                      <a:latin typeface="Cambria Math"/>
-                                      <a:ea typeface="Cambria Math"/>
-                                    </a:rPr>
-                                    <m:t>6</m:t>
+                                    <m:t>×6</m:t>
                                   </m:r>
                                 </m:sub>
                               </m:sSub>
@@ -18000,7 +18201,7 @@
                       <m:sSubSupPr>
                         <m:ctrlPr>
                           <a:rPr lang="en-US" sz="1800" i="1">
-                            <a:latin typeface="Cambria Math" panose="02040503050406030204" pitchFamily="18" charset="0"/>
+                            <a:latin typeface="Cambria Math"/>
                           </a:rPr>
                         </m:ctrlPr>
                       </m:sSubSupPr>
@@ -18041,7 +18242,7 @@
                         <m:endChr m:val="]"/>
                         <m:ctrlPr>
                           <a:rPr lang="en-US" sz="1800" i="1">
-                            <a:latin typeface="Cambria Math" panose="02040503050406030204" pitchFamily="18" charset="0"/>
+                            <a:latin typeface="Cambria Math"/>
                           </a:rPr>
                         </m:ctrlPr>
                       </m:dPr>
@@ -18058,7 +18259,7 @@
                             </m:mcs>
                             <m:ctrlPr>
                               <a:rPr lang="en-US" sz="1800" i="1">
-                                <a:latin typeface="Cambria Math" panose="02040503050406030204" pitchFamily="18" charset="0"/>
+                                <a:latin typeface="Cambria Math"/>
                               </a:rPr>
                             </m:ctrlPr>
                           </m:mPr>
@@ -18077,7 +18278,7 @@
                                 <m:sSubSupPr>
                                   <m:ctrlPr>
                                     <a:rPr lang="en-US" sz="1800" i="1">
-                                      <a:latin typeface="Cambria Math" panose="02040503050406030204" pitchFamily="18" charset="0"/>
+                                      <a:latin typeface="Cambria Math"/>
                                     </a:rPr>
                                   </m:ctrlPr>
                                 </m:sSubSupPr>
@@ -18128,7 +18329,7 @@
                                 <m:sSubPr>
                                   <m:ctrlPr>
                                     <a:rPr lang="en-US" sz="1800" i="1">
-                                      <a:latin typeface="Cambria Math" panose="02040503050406030204" pitchFamily="18" charset="0"/>
+                                      <a:latin typeface="Cambria Math"/>
                                     </a:rPr>
                                   </m:ctrlPr>
                                 </m:sSubPr>
@@ -18152,14 +18353,7 @@
                                       <a:latin typeface="Cambria Math"/>
                                       <a:ea typeface="Cambria Math"/>
                                     </a:rPr>
-                                    <m:t>×</m:t>
-                                  </m:r>
-                                  <m:r>
-                                    <a:rPr lang="en-US" sz="1800" i="1">
-                                      <a:latin typeface="Cambria Math"/>
-                                      <a:ea typeface="Cambria Math"/>
-                                    </a:rPr>
-                                    <m:t>3</m:t>
+                                    <m:t>×3</m:t>
                                   </m:r>
                                 </m:sub>
                               </m:sSub>
@@ -18171,7 +18365,7 @@
                                 <m:sSubPr>
                                   <m:ctrlPr>
                                     <a:rPr lang="en-US" sz="1800" i="1">
-                                      <a:latin typeface="Cambria Math" panose="02040503050406030204" pitchFamily="18" charset="0"/>
+                                      <a:latin typeface="Cambria Math"/>
                                     </a:rPr>
                                   </m:ctrlPr>
                                 </m:sSubPr>
@@ -18195,14 +18389,7 @@
                                       <a:latin typeface="Cambria Math"/>
                                       <a:ea typeface="Cambria Math"/>
                                     </a:rPr>
-                                    <m:t>×</m:t>
-                                  </m:r>
-                                  <m:r>
-                                    <a:rPr lang="en-US" sz="1800" i="1">
-                                      <a:latin typeface="Cambria Math"/>
-                                      <a:ea typeface="Cambria Math"/>
-                                    </a:rPr>
-                                    <m:t>3</m:t>
+                                    <m:t>×3</m:t>
                                   </m:r>
                                 </m:sub>
                               </m:sSub>
@@ -18223,7 +18410,7 @@
                       <m:sSubSupPr>
                         <m:ctrlPr>
                           <a:rPr lang="en-US" sz="1800" i="1">
-                            <a:latin typeface="Cambria Math" panose="02040503050406030204" pitchFamily="18" charset="0"/>
+                            <a:latin typeface="Cambria Math"/>
                           </a:rPr>
                         </m:ctrlPr>
                       </m:sSubSupPr>
@@ -18264,7 +18451,7 @@
                         <m:endChr m:val="]"/>
                         <m:ctrlPr>
                           <a:rPr lang="en-US" sz="1800" i="1">
-                            <a:latin typeface="Cambria Math" panose="02040503050406030204" pitchFamily="18" charset="0"/>
+                            <a:latin typeface="Cambria Math"/>
                           </a:rPr>
                         </m:ctrlPr>
                       </m:dPr>
@@ -18281,7 +18468,7 @@
                             </m:mcs>
                             <m:ctrlPr>
                               <a:rPr lang="en-US" sz="1800" i="1">
-                                <a:latin typeface="Cambria Math" panose="02040503050406030204" pitchFamily="18" charset="0"/>
+                                <a:latin typeface="Cambria Math"/>
                               </a:rPr>
                             </m:ctrlPr>
                           </m:mPr>
@@ -18291,7 +18478,7 @@
                                 <m:sSubPr>
                                   <m:ctrlPr>
                                     <a:rPr lang="en-US" sz="1800" i="1">
-                                      <a:latin typeface="Cambria Math" panose="02040503050406030204" pitchFamily="18" charset="0"/>
+                                      <a:latin typeface="Cambria Math"/>
                                     </a:rPr>
                                   </m:ctrlPr>
                                 </m:sSubPr>
@@ -18315,14 +18502,7 @@
                                       <a:latin typeface="Cambria Math"/>
                                       <a:ea typeface="Cambria Math"/>
                                     </a:rPr>
-                                    <m:t>×</m:t>
-                                  </m:r>
-                                  <m:r>
-                                    <a:rPr lang="en-US" sz="1800" i="1">
-                                      <a:latin typeface="Cambria Math"/>
-                                      <a:ea typeface="Cambria Math"/>
-                                    </a:rPr>
-                                    <m:t>3</m:t>
+                                    <m:t>×3</m:t>
                                   </m:r>
                                 </m:sub>
                               </m:sSub>
@@ -18356,7 +18536,7 @@
                                       <a:solidFill>
                                         <a:srgbClr val="002060"/>
                                       </a:solidFill>
-                                      <a:latin typeface="Cambria Math" panose="02040503050406030204" pitchFamily="18" charset="0"/>
+                                      <a:latin typeface="Cambria Math"/>
                                       <a:ea typeface="Cambria Math"/>
                                     </a:rPr>
                                   </m:ctrlPr>
@@ -18370,7 +18550,7 @@
                                           <a:solidFill>
                                             <a:srgbClr val="002060"/>
                                           </a:solidFill>
-                                          <a:latin typeface="Cambria Math" panose="02040503050406030204" pitchFamily="18" charset="0"/>
+                                          <a:latin typeface="Cambria Math"/>
                                           <a:ea typeface="Cambria Math"/>
                                         </a:rPr>
                                       </m:ctrlPr>
@@ -18424,7 +18604,7 @@
                                 <m:sSubPr>
                                   <m:ctrlPr>
                                     <a:rPr lang="en-US" sz="1800" i="1">
-                                      <a:latin typeface="Cambria Math" panose="02040503050406030204" pitchFamily="18" charset="0"/>
+                                      <a:latin typeface="Cambria Math"/>
                                     </a:rPr>
                                   </m:ctrlPr>
                                 </m:sSubPr>
@@ -18448,14 +18628,7 @@
                                       <a:latin typeface="Cambria Math"/>
                                       <a:ea typeface="Cambria Math"/>
                                     </a:rPr>
-                                    <m:t>×</m:t>
-                                  </m:r>
-                                  <m:r>
-                                    <a:rPr lang="en-US" sz="1800" i="1">
-                                      <a:latin typeface="Cambria Math"/>
-                                      <a:ea typeface="Cambria Math"/>
-                                    </a:rPr>
-                                    <m:t>3</m:t>
+                                    <m:t>×3</m:t>
                                   </m:r>
                                 </m:sub>
                               </m:sSub>
@@ -18474,7 +18647,7 @@
             </p:txBody>
           </p:sp>
         </mc:Choice>
-        <mc:Fallback>
+        <mc:Fallback xmlns="">
           <p:sp>
             <p:nvSpPr>
               <p:cNvPr id="3" name="Content Placeholder 2"/>
@@ -18748,7 +18921,7 @@
                       <m:sSubSupPr>
                         <m:ctrlPr>
                           <a:rPr lang="en-US" sz="1800" i="1">
-                            <a:latin typeface="Cambria Math" panose="02040503050406030204" pitchFamily="18" charset="0"/>
+                            <a:latin typeface="Cambria Math"/>
                             <a:ea typeface="Cambria Math"/>
                           </a:rPr>
                         </m:ctrlPr>
@@ -18793,7 +18966,7 @@
                       <m:sSubSupPr>
                         <m:ctrlPr>
                           <a:rPr lang="en-US" sz="1800" i="1">
-                            <a:latin typeface="Cambria Math" panose="02040503050406030204" pitchFamily="18" charset="0"/>
+                            <a:latin typeface="Cambria Math"/>
                             <a:ea typeface="Cambria Math"/>
                           </a:rPr>
                         </m:ctrlPr>
@@ -19084,28 +19257,28 @@
                 <a:gridCol w="678596">
                   <a:extLst>
                     <a:ext uri="{9D8B030D-6E8A-4147-A177-3AD203B41FA5}">
-                      <a16:colId xmlns:a16="http://schemas.microsoft.com/office/drawing/2014/main" val="1969681677"/>
+                      <a16:colId xmlns:a16="http://schemas.microsoft.com/office/drawing/2014/main" xmlns="" val="1969681677"/>
                     </a:ext>
                   </a:extLst>
                 </a:gridCol>
                 <a:gridCol w="1577017">
                   <a:extLst>
                     <a:ext uri="{9D8B030D-6E8A-4147-A177-3AD203B41FA5}">
-                      <a16:colId xmlns:a16="http://schemas.microsoft.com/office/drawing/2014/main" val="4015357166"/>
+                      <a16:colId xmlns:a16="http://schemas.microsoft.com/office/drawing/2014/main" xmlns="" val="4015357166"/>
                     </a:ext>
                   </a:extLst>
                 </a:gridCol>
                 <a:gridCol w="1720382">
                   <a:extLst>
                     <a:ext uri="{9D8B030D-6E8A-4147-A177-3AD203B41FA5}">
-                      <a16:colId xmlns:a16="http://schemas.microsoft.com/office/drawing/2014/main" val="1617265938"/>
+                      <a16:colId xmlns:a16="http://schemas.microsoft.com/office/drawing/2014/main" xmlns="" val="1617265938"/>
                     </a:ext>
                   </a:extLst>
                 </a:gridCol>
                 <a:gridCol w="1596131">
                   <a:extLst>
                     <a:ext uri="{9D8B030D-6E8A-4147-A177-3AD203B41FA5}">
-                      <a16:colId xmlns:a16="http://schemas.microsoft.com/office/drawing/2014/main" val="1307686583"/>
+                      <a16:colId xmlns:a16="http://schemas.microsoft.com/office/drawing/2014/main" xmlns="" val="1307686583"/>
                     </a:ext>
                   </a:extLst>
                 </a:gridCol>
@@ -19160,7 +19333,7 @@
                 </a:tc>
                 <a:extLst>
                   <a:ext uri="{0D108BD9-81ED-4DB2-BD59-A6C34878D82A}">
-                    <a16:rowId xmlns:a16="http://schemas.microsoft.com/office/drawing/2014/main" val="758164643"/>
+                    <a16:rowId xmlns:a16="http://schemas.microsoft.com/office/drawing/2014/main" xmlns="" val="758164643"/>
                   </a:ext>
                 </a:extLst>
               </a:tr>
@@ -19255,7 +19428,7 @@
                 </a:tc>
                 <a:extLst>
                   <a:ext uri="{0D108BD9-81ED-4DB2-BD59-A6C34878D82A}">
-                    <a16:rowId xmlns:a16="http://schemas.microsoft.com/office/drawing/2014/main" val="3932375478"/>
+                    <a16:rowId xmlns:a16="http://schemas.microsoft.com/office/drawing/2014/main" xmlns="" val="3932375478"/>
                   </a:ext>
                 </a:extLst>
               </a:tr>
@@ -19332,7 +19505,7 @@
                 </a:tc>
                 <a:extLst>
                   <a:ext uri="{0D108BD9-81ED-4DB2-BD59-A6C34878D82A}">
-                    <a16:rowId xmlns:a16="http://schemas.microsoft.com/office/drawing/2014/main" val="3737485163"/>
+                    <a16:rowId xmlns:a16="http://schemas.microsoft.com/office/drawing/2014/main" xmlns="" val="3737485163"/>
                   </a:ext>
                 </a:extLst>
               </a:tr>
@@ -19455,7 +19628,7 @@
                 </a:tc>
                 <a:extLst>
                   <a:ext uri="{0D108BD9-81ED-4DB2-BD59-A6C34878D82A}">
-                    <a16:rowId xmlns:a16="http://schemas.microsoft.com/office/drawing/2014/main" val="4236481450"/>
+                    <a16:rowId xmlns:a16="http://schemas.microsoft.com/office/drawing/2014/main" xmlns="" val="4236481450"/>
                   </a:ext>
                 </a:extLst>
               </a:tr>
@@ -19570,7 +19743,7 @@
                 </a:tc>
                 <a:extLst>
                   <a:ext uri="{0D108BD9-81ED-4DB2-BD59-A6C34878D82A}">
-                    <a16:rowId xmlns:a16="http://schemas.microsoft.com/office/drawing/2014/main" val="3335519353"/>
+                    <a16:rowId xmlns:a16="http://schemas.microsoft.com/office/drawing/2014/main" xmlns="" val="3335519353"/>
                   </a:ext>
                 </a:extLst>
               </a:tr>
@@ -19659,7 +19832,7 @@
                 </a:tc>
                 <a:extLst>
                   <a:ext uri="{0D108BD9-81ED-4DB2-BD59-A6C34878D82A}">
-                    <a16:rowId xmlns:a16="http://schemas.microsoft.com/office/drawing/2014/main" val="1954581546"/>
+                    <a16:rowId xmlns:a16="http://schemas.microsoft.com/office/drawing/2014/main" xmlns="" val="1954581546"/>
                   </a:ext>
                 </a:extLst>
               </a:tr>
@@ -19792,7 +19965,7 @@
                 </a:tc>
                 <a:extLst>
                   <a:ext uri="{0D108BD9-81ED-4DB2-BD59-A6C34878D82A}">
-                    <a16:rowId xmlns:a16="http://schemas.microsoft.com/office/drawing/2014/main" val="3035050982"/>
+                    <a16:rowId xmlns:a16="http://schemas.microsoft.com/office/drawing/2014/main" xmlns="" val="3035050982"/>
                   </a:ext>
                 </a:extLst>
               </a:tr>
@@ -19924,7 +20097,7 @@
                 </a:tc>
                 <a:extLst>
                   <a:ext uri="{0D108BD9-81ED-4DB2-BD59-A6C34878D82A}">
-                    <a16:rowId xmlns:a16="http://schemas.microsoft.com/office/drawing/2014/main" val="2046055926"/>
+                    <a16:rowId xmlns:a16="http://schemas.microsoft.com/office/drawing/2014/main" xmlns="" val="2046055926"/>
                   </a:ext>
                 </a:extLst>
               </a:tr>
@@ -20001,7 +20174,7 @@
                 </a:tc>
                 <a:extLst>
                   <a:ext uri="{0D108BD9-81ED-4DB2-BD59-A6C34878D82A}">
-                    <a16:rowId xmlns:a16="http://schemas.microsoft.com/office/drawing/2014/main" val="2033872525"/>
+                    <a16:rowId xmlns:a16="http://schemas.microsoft.com/office/drawing/2014/main" xmlns="" val="2033872525"/>
                   </a:ext>
                 </a:extLst>
               </a:tr>
@@ -20121,7 +20294,7 @@
                 </a:tc>
                 <a:extLst>
                   <a:ext uri="{0D108BD9-81ED-4DB2-BD59-A6C34878D82A}">
-                    <a16:rowId xmlns:a16="http://schemas.microsoft.com/office/drawing/2014/main" val="1312604833"/>
+                    <a16:rowId xmlns:a16="http://schemas.microsoft.com/office/drawing/2014/main" xmlns="" val="1312604833"/>
                   </a:ext>
                 </a:extLst>
               </a:tr>
@@ -20426,7 +20599,7 @@
   <a:extraClrSchemeLst/>
   <a:extLst>
     <a:ext uri="{05A4C25C-085E-4340-85A3-A5531E510DB2}">
-      <thm15:themeFamily xmlns:thm15="http://schemas.microsoft.com/office/thememl/2012/main" name="Office Theme" id="{62F939B6-93AF-4DB8-9C6B-D6C7DFDC589F}" vid="{4A3C46E8-61CC-4603-A589-7422A47A8E4A}"/>
+      <thm15:themeFamily xmlns:thm15="http://schemas.microsoft.com/office/thememl/2012/main" xmlns="" name="Office Theme" id="{62F939B6-93AF-4DB8-9C6B-D6C7DFDC589F}" vid="{4A3C46E8-61CC-4603-A589-7422A47A8E4A}"/>
     </a:ext>
   </a:extLst>
 </a:theme>

--- a/doc/Efficient Visual-Inertial Navigation.pptx
+++ b/doc/Efficient Visual-Inertial Navigation.pptx
@@ -15,7 +15,8 @@
     <p:sldId id="263" r:id="rId9"/>
     <p:sldId id="265" r:id="rId10"/>
     <p:sldId id="266" r:id="rId11"/>
-    <p:sldId id="264" r:id="rId12"/>
+    <p:sldId id="267" r:id="rId12"/>
+    <p:sldId id="264" r:id="rId13"/>
   </p:sldIdLst>
   <p:sldSz cx="12192000" cy="6858000"/>
   <p:notesSz cx="6858000" cy="9144000"/>
@@ -116,7 +117,7 @@
   </p:defaultTextStyle>
   <p:extLst>
     <p:ext uri="{EFAFB233-063F-42B5-8137-9DF3F51BA10A}">
-      <p15:sldGuideLst xmlns:p15="http://schemas.microsoft.com/office/powerpoint/2012/main" xmlns="">
+      <p15:sldGuideLst xmlns="" xmlns:p15="http://schemas.microsoft.com/office/powerpoint/2012/main">
         <p15:guide id="1" orient="horz" pos="2160">
           <p15:clr>
             <a:srgbClr val="A4A3A4"/>
@@ -3253,6 +3254,117 @@
       </p:grpSpPr>
       <p:sp>
         <p:nvSpPr>
+          <p:cNvPr id="9" name="Title 8"/>
+          <p:cNvSpPr>
+            <a:spLocks noGrp="1"/>
+          </p:cNvSpPr>
+          <p:nvPr>
+            <p:ph type="title"/>
+          </p:nvPr>
+        </p:nvSpPr>
+        <p:spPr/>
+        <p:txBody>
+          <a:bodyPr/>
+          <a:lstStyle/>
+          <a:p>
+            <a:r>
+              <a:rPr lang="en-US" dirty="0" smtClean="0"/>
+              <a:t>Error analysis</a:t>
+            </a:r>
+            <a:endParaRPr lang="en-AU" dirty="0"/>
+          </a:p>
+        </p:txBody>
+      </p:sp>
+      <p:pic>
+        <p:nvPicPr>
+          <p:cNvPr id="7" name="Content Placeholder 6"/>
+          <p:cNvPicPr>
+            <a:picLocks noGrp="1" noChangeAspect="1"/>
+          </p:cNvPicPr>
+          <p:nvPr>
+            <p:ph sz="half" idx="1"/>
+          </p:nvPr>
+        </p:nvPicPr>
+        <p:blipFill>
+          <a:blip r:embed="rId2" cstate="print">
+            <a:extLst>
+              <a:ext uri="{28A0092B-C50C-407E-A947-70E740481C1C}">
+                <a14:useLocalDpi xmlns:a14="http://schemas.microsoft.com/office/drawing/2010/main" val="0"/>
+              </a:ext>
+            </a:extLst>
+          </a:blip>
+          <a:stretch>
+            <a:fillRect/>
+          </a:stretch>
+        </p:blipFill>
+        <p:spPr>
+          <a:xfrm>
+            <a:off x="847898" y="2667101"/>
+            <a:ext cx="5162204" cy="2668385"/>
+          </a:xfrm>
+        </p:spPr>
+      </p:pic>
+      <p:pic>
+        <p:nvPicPr>
+          <p:cNvPr id="8" name="Content Placeholder 7"/>
+          <p:cNvPicPr>
+            <a:picLocks noGrp="1" noChangeAspect="1"/>
+          </p:cNvPicPr>
+          <p:nvPr>
+            <p:ph sz="half" idx="2"/>
+          </p:nvPr>
+        </p:nvPicPr>
+        <p:blipFill>
+          <a:blip r:embed="rId3" cstate="print">
+            <a:extLst>
+              <a:ext uri="{28A0092B-C50C-407E-A947-70E740481C1C}">
+                <a14:useLocalDpi xmlns:a14="http://schemas.microsoft.com/office/drawing/2010/main" val="0"/>
+              </a:ext>
+            </a:extLst>
+          </a:blip>
+          <a:stretch>
+            <a:fillRect/>
+          </a:stretch>
+        </p:blipFill>
+        <p:spPr>
+          <a:xfrm>
+            <a:off x="6173585" y="2662945"/>
+            <a:ext cx="5178829" cy="2676698"/>
+          </a:xfrm>
+        </p:spPr>
+      </p:pic>
+    </p:spTree>
+    <p:extLst>
+      <p:ext uri="{BB962C8B-B14F-4D97-AF65-F5344CB8AC3E}">
+        <p14:creationId xmlns:p14="http://schemas.microsoft.com/office/powerpoint/2010/main" val="3694772993"/>
+      </p:ext>
+    </p:extLst>
+  </p:cSld>
+  <p:clrMapOvr>
+    <a:masterClrMapping/>
+  </p:clrMapOvr>
+</p:sld>
+</file>
+
+<file path=ppt/slides/slide12.xml><?xml version="1.0" encoding="utf-8"?>
+<p:sld xmlns:a="http://schemas.openxmlformats.org/drawingml/2006/main" xmlns:r="http://schemas.openxmlformats.org/officeDocument/2006/relationships" xmlns:p="http://schemas.openxmlformats.org/presentationml/2006/main">
+  <p:cSld>
+    <p:spTree>
+      <p:nvGrpSpPr>
+        <p:cNvPr id="1" name=""/>
+        <p:cNvGrpSpPr/>
+        <p:nvPr/>
+      </p:nvGrpSpPr>
+      <p:grpSpPr>
+        <a:xfrm>
+          <a:off x="0" y="0"/>
+          <a:ext cx="0" cy="0"/>
+          <a:chOff x="0" y="0"/>
+          <a:chExt cx="0" cy="0"/>
+        </a:xfrm>
+      </p:grpSpPr>
+      <p:sp>
+        <p:nvSpPr>
           <p:cNvPr id="5" name="Title 4"/>
           <p:cNvSpPr>
             <a:spLocks noGrp="1"/>
@@ -19257,28 +19369,28 @@
                 <a:gridCol w="678596">
                   <a:extLst>
                     <a:ext uri="{9D8B030D-6E8A-4147-A177-3AD203B41FA5}">
-                      <a16:colId xmlns:a16="http://schemas.microsoft.com/office/drawing/2014/main" xmlns="" val="1969681677"/>
+                      <a16:colId xmlns="" xmlns:a16="http://schemas.microsoft.com/office/drawing/2014/main" val="1969681677"/>
                     </a:ext>
                   </a:extLst>
                 </a:gridCol>
                 <a:gridCol w="1577017">
                   <a:extLst>
                     <a:ext uri="{9D8B030D-6E8A-4147-A177-3AD203B41FA5}">
-                      <a16:colId xmlns:a16="http://schemas.microsoft.com/office/drawing/2014/main" xmlns="" val="4015357166"/>
+                      <a16:colId xmlns="" xmlns:a16="http://schemas.microsoft.com/office/drawing/2014/main" val="4015357166"/>
                     </a:ext>
                   </a:extLst>
                 </a:gridCol>
                 <a:gridCol w="1720382">
                   <a:extLst>
                     <a:ext uri="{9D8B030D-6E8A-4147-A177-3AD203B41FA5}">
-                      <a16:colId xmlns:a16="http://schemas.microsoft.com/office/drawing/2014/main" xmlns="" val="1617265938"/>
+                      <a16:colId xmlns="" xmlns:a16="http://schemas.microsoft.com/office/drawing/2014/main" val="1617265938"/>
                     </a:ext>
                   </a:extLst>
                 </a:gridCol>
                 <a:gridCol w="1596131">
                   <a:extLst>
                     <a:ext uri="{9D8B030D-6E8A-4147-A177-3AD203B41FA5}">
-                      <a16:colId xmlns:a16="http://schemas.microsoft.com/office/drawing/2014/main" xmlns="" val="1307686583"/>
+                      <a16:colId xmlns="" xmlns:a16="http://schemas.microsoft.com/office/drawing/2014/main" val="1307686583"/>
                     </a:ext>
                   </a:extLst>
                 </a:gridCol>
@@ -19333,7 +19445,7 @@
                 </a:tc>
                 <a:extLst>
                   <a:ext uri="{0D108BD9-81ED-4DB2-BD59-A6C34878D82A}">
-                    <a16:rowId xmlns:a16="http://schemas.microsoft.com/office/drawing/2014/main" xmlns="" val="758164643"/>
+                    <a16:rowId xmlns="" xmlns:a16="http://schemas.microsoft.com/office/drawing/2014/main" val="758164643"/>
                   </a:ext>
                 </a:extLst>
               </a:tr>
@@ -19428,7 +19540,7 @@
                 </a:tc>
                 <a:extLst>
                   <a:ext uri="{0D108BD9-81ED-4DB2-BD59-A6C34878D82A}">
-                    <a16:rowId xmlns:a16="http://schemas.microsoft.com/office/drawing/2014/main" xmlns="" val="3932375478"/>
+                    <a16:rowId xmlns="" xmlns:a16="http://schemas.microsoft.com/office/drawing/2014/main" val="3932375478"/>
                   </a:ext>
                 </a:extLst>
               </a:tr>
@@ -19505,7 +19617,7 @@
                 </a:tc>
                 <a:extLst>
                   <a:ext uri="{0D108BD9-81ED-4DB2-BD59-A6C34878D82A}">
-                    <a16:rowId xmlns:a16="http://schemas.microsoft.com/office/drawing/2014/main" xmlns="" val="3737485163"/>
+                    <a16:rowId xmlns="" xmlns:a16="http://schemas.microsoft.com/office/drawing/2014/main" val="3737485163"/>
                   </a:ext>
                 </a:extLst>
               </a:tr>
@@ -19628,7 +19740,7 @@
                 </a:tc>
                 <a:extLst>
                   <a:ext uri="{0D108BD9-81ED-4DB2-BD59-A6C34878D82A}">
-                    <a16:rowId xmlns:a16="http://schemas.microsoft.com/office/drawing/2014/main" xmlns="" val="4236481450"/>
+                    <a16:rowId xmlns="" xmlns:a16="http://schemas.microsoft.com/office/drawing/2014/main" val="4236481450"/>
                   </a:ext>
                 </a:extLst>
               </a:tr>
@@ -19743,7 +19855,7 @@
                 </a:tc>
                 <a:extLst>
                   <a:ext uri="{0D108BD9-81ED-4DB2-BD59-A6C34878D82A}">
-                    <a16:rowId xmlns:a16="http://schemas.microsoft.com/office/drawing/2014/main" xmlns="" val="3335519353"/>
+                    <a16:rowId xmlns="" xmlns:a16="http://schemas.microsoft.com/office/drawing/2014/main" val="3335519353"/>
                   </a:ext>
                 </a:extLst>
               </a:tr>
@@ -19832,7 +19944,7 @@
                 </a:tc>
                 <a:extLst>
                   <a:ext uri="{0D108BD9-81ED-4DB2-BD59-A6C34878D82A}">
-                    <a16:rowId xmlns:a16="http://schemas.microsoft.com/office/drawing/2014/main" xmlns="" val="1954581546"/>
+                    <a16:rowId xmlns="" xmlns:a16="http://schemas.microsoft.com/office/drawing/2014/main" val="1954581546"/>
                   </a:ext>
                 </a:extLst>
               </a:tr>
@@ -19965,7 +20077,7 @@
                 </a:tc>
                 <a:extLst>
                   <a:ext uri="{0D108BD9-81ED-4DB2-BD59-A6C34878D82A}">
-                    <a16:rowId xmlns:a16="http://schemas.microsoft.com/office/drawing/2014/main" xmlns="" val="3035050982"/>
+                    <a16:rowId xmlns="" xmlns:a16="http://schemas.microsoft.com/office/drawing/2014/main" val="3035050982"/>
                   </a:ext>
                 </a:extLst>
               </a:tr>
@@ -20097,7 +20209,7 @@
                 </a:tc>
                 <a:extLst>
                   <a:ext uri="{0D108BD9-81ED-4DB2-BD59-A6C34878D82A}">
-                    <a16:rowId xmlns:a16="http://schemas.microsoft.com/office/drawing/2014/main" xmlns="" val="2046055926"/>
+                    <a16:rowId xmlns="" xmlns:a16="http://schemas.microsoft.com/office/drawing/2014/main" val="2046055926"/>
                   </a:ext>
                 </a:extLst>
               </a:tr>
@@ -20174,7 +20286,7 @@
                 </a:tc>
                 <a:extLst>
                   <a:ext uri="{0D108BD9-81ED-4DB2-BD59-A6C34878D82A}">
-                    <a16:rowId xmlns:a16="http://schemas.microsoft.com/office/drawing/2014/main" xmlns="" val="2033872525"/>
+                    <a16:rowId xmlns="" xmlns:a16="http://schemas.microsoft.com/office/drawing/2014/main" val="2033872525"/>
                   </a:ext>
                 </a:extLst>
               </a:tr>
@@ -20294,7 +20406,7 @@
                 </a:tc>
                 <a:extLst>
                   <a:ext uri="{0D108BD9-81ED-4DB2-BD59-A6C34878D82A}">
-                    <a16:rowId xmlns:a16="http://schemas.microsoft.com/office/drawing/2014/main" xmlns="" val="1312604833"/>
+                    <a16:rowId xmlns="" xmlns:a16="http://schemas.microsoft.com/office/drawing/2014/main" val="1312604833"/>
                   </a:ext>
                 </a:extLst>
               </a:tr>
@@ -20599,7 +20711,7 @@
   <a:extraClrSchemeLst/>
   <a:extLst>
     <a:ext uri="{05A4C25C-085E-4340-85A3-A5531E510DB2}">
-      <thm15:themeFamily xmlns:thm15="http://schemas.microsoft.com/office/thememl/2012/main" xmlns="" name="Office Theme" id="{62F939B6-93AF-4DB8-9C6B-D6C7DFDC589F}" vid="{4A3C46E8-61CC-4603-A589-7422A47A8E4A}"/>
+      <thm15:themeFamily xmlns="" xmlns:thm15="http://schemas.microsoft.com/office/thememl/2012/main" name="Office Theme" id="{62F939B6-93AF-4DB8-9C6B-D6C7DFDC589F}" vid="{4A3C46E8-61CC-4603-A589-7422A47A8E4A}"/>
     </a:ext>
   </a:extLst>
 </a:theme>
